--- a/13. Сложность алгоритмов продолжение/13. Сложность алгоритмов продолжение.pptx
+++ b/13. Сложность алгоритмов продолжение/13. Сложность алгоритмов продолжение.pptx
@@ -17,8 +17,8 @@
     <p:sldId id="296" r:id="rId8"/>
     <p:sldId id="280" r:id="rId9"/>
     <p:sldId id="298" r:id="rId10"/>
-    <p:sldId id="287" r:id="rId11"/>
-    <p:sldId id="297" r:id="rId12"/>
+    <p:sldId id="297" r:id="rId11"/>
+    <p:sldId id="287" r:id="rId12"/>
     <p:sldId id="289" r:id="rId13"/>
     <p:sldId id="290" r:id="rId14"/>
     <p:sldId id="299" r:id="rId15"/>
@@ -2968,7 +2968,7 @@
           <a:p>
             <a:fld id="{036B47B5-EF1D-41BD-9CC3-7AD4E8DDF9BA}" type="datetimeFigureOut">
               <a:rPr lang="ru-RU" smtClean="0"/>
-              <a:t>01.05.2022</a:t>
+              <a:t>02.05.2022</a:t>
             </a:fld>
             <a:endParaRPr lang="ru-RU"/>
           </a:p>
@@ -3394,7 +3394,7 @@
     </p:spTree>
     <p:extLst>
       <p:ext uri="{BB962C8B-B14F-4D97-AF65-F5344CB8AC3E}">
-        <p14:creationId xmlns:p14="http://schemas.microsoft.com/office/powerpoint/2010/main" val="6570424"/>
+        <p14:creationId xmlns:p14="http://schemas.microsoft.com/office/powerpoint/2010/main" val="1412058666"/>
       </p:ext>
     </p:extLst>
   </p:cSld>
@@ -3478,7 +3478,7 @@
     </p:spTree>
     <p:extLst>
       <p:ext uri="{BB962C8B-B14F-4D97-AF65-F5344CB8AC3E}">
-        <p14:creationId xmlns:p14="http://schemas.microsoft.com/office/powerpoint/2010/main" val="1412058666"/>
+        <p14:creationId xmlns:p14="http://schemas.microsoft.com/office/powerpoint/2010/main" val="6570424"/>
       </p:ext>
     </p:extLst>
   </p:cSld>
@@ -3713,7 +3713,7 @@
           <a:noFill/>
           <a:extLst>
             <a:ext uri="{909E8E84-426E-40dd-AFC4-6F175D3DCCD1}">
-              <a14:hiddenFill xmlns:a14="http://schemas.microsoft.com/office/drawing/2010/main" xmlns="">
+              <a14:hiddenFill xmlns="" xmlns:a14="http://schemas.microsoft.com/office/drawing/2010/main">
                 <a:solidFill>
                   <a:srgbClr val="FFFFFF"/>
                 </a:solidFill>
@@ -3772,7 +3772,7 @@
             </a:ln>
             <a:extLst>
               <a:ext uri="{91240B29-F687-4f45-9708-019B960494DF}">
-                <a14:hiddenLine xmlns:a14="http://schemas.microsoft.com/office/drawing/2010/main" xmlns="" w="9525">
+                <a14:hiddenLine xmlns="" xmlns:a14="http://schemas.microsoft.com/office/drawing/2010/main" w="9525">
                   <a:solidFill>
                     <a:srgbClr val="000000"/>
                   </a:solidFill>
@@ -3862,7 +3862,7 @@
             </a:ln>
             <a:extLst>
               <a:ext uri="{91240B29-F687-4f45-9708-019B960494DF}">
-                <a14:hiddenLine xmlns:a14="http://schemas.microsoft.com/office/drawing/2010/main" xmlns="" w="9525">
+                <a14:hiddenLine xmlns="" xmlns:a14="http://schemas.microsoft.com/office/drawing/2010/main" w="9525">
                   <a:solidFill>
                     <a:srgbClr val="000000"/>
                   </a:solidFill>
@@ -3952,7 +3952,7 @@
             </a:ln>
             <a:extLst>
               <a:ext uri="{91240B29-F687-4f45-9708-019B960494DF}">
-                <a14:hiddenLine xmlns:a14="http://schemas.microsoft.com/office/drawing/2010/main" xmlns="" w="9525">
+                <a14:hiddenLine xmlns="" xmlns:a14="http://schemas.microsoft.com/office/drawing/2010/main" w="9525">
                   <a:solidFill>
                     <a:srgbClr val="000000"/>
                   </a:solidFill>
@@ -3986,7 +3986,7 @@
             </a:ln>
             <a:extLst>
               <a:ext uri="{91240B29-F687-4f45-9708-019B960494DF}">
-                <a14:hiddenLine xmlns:a14="http://schemas.microsoft.com/office/drawing/2010/main" xmlns="" w="9525">
+                <a14:hiddenLine xmlns="" xmlns:a14="http://schemas.microsoft.com/office/drawing/2010/main" w="9525">
                   <a:solidFill>
                     <a:srgbClr val="000000"/>
                   </a:solidFill>
@@ -4076,7 +4076,7 @@
             </a:ln>
             <a:extLst>
               <a:ext uri="{91240B29-F687-4f45-9708-019B960494DF}">
-                <a14:hiddenLine xmlns:a14="http://schemas.microsoft.com/office/drawing/2010/main" xmlns="" w="9525">
+                <a14:hiddenLine xmlns="" xmlns:a14="http://schemas.microsoft.com/office/drawing/2010/main" w="9525">
                   <a:solidFill>
                     <a:srgbClr val="000000"/>
                   </a:solidFill>
@@ -4138,7 +4138,7 @@
             </a:ln>
             <a:extLst>
               <a:ext uri="{91240B29-F687-4f45-9708-019B960494DF}">
-                <a14:hiddenLine xmlns:a14="http://schemas.microsoft.com/office/drawing/2010/main" xmlns="" w="9525">
+                <a14:hiddenLine xmlns="" xmlns:a14="http://schemas.microsoft.com/office/drawing/2010/main" w="9525">
                   <a:solidFill>
                     <a:srgbClr val="000000"/>
                   </a:solidFill>
@@ -4200,7 +4200,7 @@
             </a:ln>
             <a:extLst>
               <a:ext uri="{91240B29-F687-4f45-9708-019B960494DF}">
-                <a14:hiddenLine xmlns:a14="http://schemas.microsoft.com/office/drawing/2010/main" xmlns="" w="9525">
+                <a14:hiddenLine xmlns="" xmlns:a14="http://schemas.microsoft.com/office/drawing/2010/main" w="9525">
                   <a:solidFill>
                     <a:srgbClr val="000000"/>
                   </a:solidFill>
@@ -4290,7 +4290,7 @@
             </a:ln>
             <a:extLst>
               <a:ext uri="{91240B29-F687-4f45-9708-019B960494DF}">
-                <a14:hiddenLine xmlns:a14="http://schemas.microsoft.com/office/drawing/2010/main" xmlns="" w="9525">
+                <a14:hiddenLine xmlns="" xmlns:a14="http://schemas.microsoft.com/office/drawing/2010/main" w="9525">
                   <a:solidFill>
                     <a:srgbClr val="000000"/>
                   </a:solidFill>
@@ -4352,7 +4352,7 @@
             </a:ln>
             <a:extLst>
               <a:ext uri="{91240B29-F687-4f45-9708-019B960494DF}">
-                <a14:hiddenLine xmlns:a14="http://schemas.microsoft.com/office/drawing/2010/main" xmlns="" w="9525">
+                <a14:hiddenLine xmlns="" xmlns:a14="http://schemas.microsoft.com/office/drawing/2010/main" w="9525">
                   <a:solidFill>
                     <a:srgbClr val="000000"/>
                   </a:solidFill>
@@ -4414,7 +4414,7 @@
             </a:ln>
             <a:extLst>
               <a:ext uri="{91240B29-F687-4f45-9708-019B960494DF}">
-                <a14:hiddenLine xmlns:a14="http://schemas.microsoft.com/office/drawing/2010/main" xmlns="" w="9525">
+                <a14:hiddenLine xmlns="" xmlns:a14="http://schemas.microsoft.com/office/drawing/2010/main" w="9525">
                   <a:solidFill>
                     <a:srgbClr val="000000"/>
                   </a:solidFill>
@@ -4504,7 +4504,7 @@
             </a:ln>
             <a:extLst>
               <a:ext uri="{91240B29-F687-4f45-9708-019B960494DF}">
-                <a14:hiddenLine xmlns:a14="http://schemas.microsoft.com/office/drawing/2010/main" xmlns="" w="9525">
+                <a14:hiddenLine xmlns="" xmlns:a14="http://schemas.microsoft.com/office/drawing/2010/main" w="9525">
                   <a:solidFill>
                     <a:srgbClr val="000000"/>
                   </a:solidFill>
@@ -4594,7 +4594,7 @@
             </a:ln>
             <a:extLst>
               <a:ext uri="{91240B29-F687-4f45-9708-019B960494DF}">
-                <a14:hiddenLine xmlns:a14="http://schemas.microsoft.com/office/drawing/2010/main" xmlns="" w="9525">
+                <a14:hiddenLine xmlns="" xmlns:a14="http://schemas.microsoft.com/office/drawing/2010/main" w="9525">
                   <a:solidFill>
                     <a:srgbClr val="000000"/>
                   </a:solidFill>
@@ -4656,7 +4656,7 @@
             </a:ln>
             <a:extLst>
               <a:ext uri="{91240B29-F687-4f45-9708-019B960494DF}">
-                <a14:hiddenLine xmlns:a14="http://schemas.microsoft.com/office/drawing/2010/main" xmlns="" w="9525">
+                <a14:hiddenLine xmlns="" xmlns:a14="http://schemas.microsoft.com/office/drawing/2010/main" w="9525">
                   <a:solidFill>
                     <a:srgbClr val="000000"/>
                   </a:solidFill>
@@ -4766,7 +4766,7 @@
             </a:ln>
             <a:extLst>
               <a:ext uri="{91240B29-F687-4f45-9708-019B960494DF}">
-                <a14:hiddenLine xmlns:a14="http://schemas.microsoft.com/office/drawing/2010/main" xmlns="" w="9525">
+                <a14:hiddenLine xmlns="" xmlns:a14="http://schemas.microsoft.com/office/drawing/2010/main" w="9525">
                   <a:solidFill>
                     <a:srgbClr val="000000"/>
                   </a:solidFill>
@@ -4828,7 +4828,7 @@
             </a:ln>
             <a:extLst>
               <a:ext uri="{91240B29-F687-4f45-9708-019B960494DF}">
-                <a14:hiddenLine xmlns:a14="http://schemas.microsoft.com/office/drawing/2010/main" xmlns="" w="9525">
+                <a14:hiddenLine xmlns="" xmlns:a14="http://schemas.microsoft.com/office/drawing/2010/main" w="9525">
                   <a:solidFill>
                     <a:srgbClr val="000000"/>
                   </a:solidFill>
@@ -4918,7 +4918,7 @@
             </a:ln>
             <a:extLst>
               <a:ext uri="{91240B29-F687-4f45-9708-019B960494DF}">
-                <a14:hiddenLine xmlns:a14="http://schemas.microsoft.com/office/drawing/2010/main" xmlns="" w="9525">
+                <a14:hiddenLine xmlns="" xmlns:a14="http://schemas.microsoft.com/office/drawing/2010/main" w="9525">
                   <a:solidFill>
                     <a:srgbClr val="000000"/>
                   </a:solidFill>
@@ -5008,7 +5008,7 @@
             </a:ln>
             <a:extLst>
               <a:ext uri="{91240B29-F687-4f45-9708-019B960494DF}">
-                <a14:hiddenLine xmlns:a14="http://schemas.microsoft.com/office/drawing/2010/main" xmlns="" w="9525">
+                <a14:hiddenLine xmlns="" xmlns:a14="http://schemas.microsoft.com/office/drawing/2010/main" w="9525">
                   <a:solidFill>
                     <a:srgbClr val="000000"/>
                   </a:solidFill>
@@ -5070,7 +5070,7 @@
             </a:ln>
             <a:extLst>
               <a:ext uri="{91240B29-F687-4f45-9708-019B960494DF}">
-                <a14:hiddenLine xmlns:a14="http://schemas.microsoft.com/office/drawing/2010/main" xmlns="" w="9525">
+                <a14:hiddenLine xmlns="" xmlns:a14="http://schemas.microsoft.com/office/drawing/2010/main" w="9525">
                   <a:solidFill>
                     <a:srgbClr val="000000"/>
                   </a:solidFill>
@@ -5160,7 +5160,7 @@
             </a:ln>
             <a:extLst>
               <a:ext uri="{91240B29-F687-4f45-9708-019B960494DF}">
-                <a14:hiddenLine xmlns:a14="http://schemas.microsoft.com/office/drawing/2010/main" xmlns="" w="9525">
+                <a14:hiddenLine xmlns="" xmlns:a14="http://schemas.microsoft.com/office/drawing/2010/main" w="9525">
                   <a:solidFill>
                     <a:srgbClr val="000000"/>
                   </a:solidFill>
@@ -5250,7 +5250,7 @@
             </a:ln>
             <a:extLst>
               <a:ext uri="{91240B29-F687-4f45-9708-019B960494DF}">
-                <a14:hiddenLine xmlns:a14="http://schemas.microsoft.com/office/drawing/2010/main" xmlns="" w="9525">
+                <a14:hiddenLine xmlns="" xmlns:a14="http://schemas.microsoft.com/office/drawing/2010/main" w="9525">
                   <a:solidFill>
                     <a:srgbClr val="000000"/>
                   </a:solidFill>
@@ -5306,7 +5306,7 @@
             </a:ln>
             <a:extLst>
               <a:ext uri="{91240B29-F687-4f45-9708-019B960494DF}">
-                <a14:hiddenLine xmlns:a14="http://schemas.microsoft.com/office/drawing/2010/main" xmlns="" w="9525">
+                <a14:hiddenLine xmlns="" xmlns:a14="http://schemas.microsoft.com/office/drawing/2010/main" w="9525">
                   <a:solidFill>
                     <a:srgbClr val="000000"/>
                   </a:solidFill>
@@ -5396,7 +5396,7 @@
             </a:ln>
             <a:extLst>
               <a:ext uri="{91240B29-F687-4f45-9708-019B960494DF}">
-                <a14:hiddenLine xmlns:a14="http://schemas.microsoft.com/office/drawing/2010/main" xmlns="" w="9525">
+                <a14:hiddenLine xmlns="" xmlns:a14="http://schemas.microsoft.com/office/drawing/2010/main" w="9525">
                   <a:solidFill>
                     <a:srgbClr val="000000"/>
                   </a:solidFill>
@@ -5452,7 +5452,7 @@
             </a:ln>
             <a:extLst>
               <a:ext uri="{91240B29-F687-4f45-9708-019B960494DF}">
-                <a14:hiddenLine xmlns:a14="http://schemas.microsoft.com/office/drawing/2010/main" xmlns="" w="9525">
+                <a14:hiddenLine xmlns="" xmlns:a14="http://schemas.microsoft.com/office/drawing/2010/main" w="9525">
                   <a:solidFill>
                     <a:srgbClr val="000000"/>
                   </a:solidFill>
@@ -5542,7 +5542,7 @@
             </a:ln>
             <a:extLst>
               <a:ext uri="{91240B29-F687-4f45-9708-019B960494DF}">
-                <a14:hiddenLine xmlns:a14="http://schemas.microsoft.com/office/drawing/2010/main" xmlns="" w="9525">
+                <a14:hiddenLine xmlns="" xmlns:a14="http://schemas.microsoft.com/office/drawing/2010/main" w="9525">
                   <a:solidFill>
                     <a:srgbClr val="000000"/>
                   </a:solidFill>
@@ -5610,7 +5610,7 @@
             </a:ln>
             <a:extLst>
               <a:ext uri="{91240B29-F687-4f45-9708-019B960494DF}">
-                <a14:hiddenLine xmlns:a14="http://schemas.microsoft.com/office/drawing/2010/main" xmlns="" w="9525">
+                <a14:hiddenLine xmlns="" xmlns:a14="http://schemas.microsoft.com/office/drawing/2010/main" w="9525">
                   <a:solidFill>
                     <a:srgbClr val="000000"/>
                   </a:solidFill>
@@ -5700,7 +5700,7 @@
             </a:ln>
             <a:extLst>
               <a:ext uri="{91240B29-F687-4f45-9708-019B960494DF}">
-                <a14:hiddenLine xmlns:a14="http://schemas.microsoft.com/office/drawing/2010/main" xmlns="" w="9525">
+                <a14:hiddenLine xmlns="" xmlns:a14="http://schemas.microsoft.com/office/drawing/2010/main" w="9525">
                   <a:solidFill>
                     <a:srgbClr val="000000"/>
                   </a:solidFill>
@@ -5768,7 +5768,7 @@
             </a:ln>
             <a:extLst>
               <a:ext uri="{91240B29-F687-4f45-9708-019B960494DF}">
-                <a14:hiddenLine xmlns:a14="http://schemas.microsoft.com/office/drawing/2010/main" xmlns="" w="9525">
+                <a14:hiddenLine xmlns="" xmlns:a14="http://schemas.microsoft.com/office/drawing/2010/main" w="9525">
                   <a:solidFill>
                     <a:srgbClr val="000000"/>
                   </a:solidFill>
@@ -5858,7 +5858,7 @@
             </a:ln>
             <a:extLst>
               <a:ext uri="{91240B29-F687-4f45-9708-019B960494DF}">
-                <a14:hiddenLine xmlns:a14="http://schemas.microsoft.com/office/drawing/2010/main" xmlns="" w="9525">
+                <a14:hiddenLine xmlns="" xmlns:a14="http://schemas.microsoft.com/office/drawing/2010/main" w="9525">
                   <a:solidFill>
                     <a:srgbClr val="000000"/>
                   </a:solidFill>
@@ -5892,7 +5892,7 @@
             </a:ln>
             <a:extLst>
               <a:ext uri="{91240B29-F687-4f45-9708-019B960494DF}">
-                <a14:hiddenLine xmlns:a14="http://schemas.microsoft.com/office/drawing/2010/main" xmlns="" w="9525">
+                <a14:hiddenLine xmlns="" xmlns:a14="http://schemas.microsoft.com/office/drawing/2010/main" w="9525">
                   <a:solidFill>
                     <a:srgbClr val="000000"/>
                   </a:solidFill>
@@ -5982,7 +5982,7 @@
             </a:ln>
             <a:extLst>
               <a:ext uri="{91240B29-F687-4f45-9708-019B960494DF}">
-                <a14:hiddenLine xmlns:a14="http://schemas.microsoft.com/office/drawing/2010/main" xmlns="" w="9525">
+                <a14:hiddenLine xmlns="" xmlns:a14="http://schemas.microsoft.com/office/drawing/2010/main" w="9525">
                   <a:solidFill>
                     <a:srgbClr val="000000"/>
                   </a:solidFill>
@@ -6044,7 +6044,7 @@
             </a:ln>
             <a:extLst>
               <a:ext uri="{91240B29-F687-4f45-9708-019B960494DF}">
-                <a14:hiddenLine xmlns:a14="http://schemas.microsoft.com/office/drawing/2010/main" xmlns="" w="9525">
+                <a14:hiddenLine xmlns="" xmlns:a14="http://schemas.microsoft.com/office/drawing/2010/main" w="9525">
                   <a:solidFill>
                     <a:srgbClr val="000000"/>
                   </a:solidFill>
@@ -6106,7 +6106,7 @@
             </a:ln>
             <a:extLst>
               <a:ext uri="{91240B29-F687-4f45-9708-019B960494DF}">
-                <a14:hiddenLine xmlns:a14="http://schemas.microsoft.com/office/drawing/2010/main" xmlns="" w="9525">
+                <a14:hiddenLine xmlns="" xmlns:a14="http://schemas.microsoft.com/office/drawing/2010/main" w="9525">
                   <a:solidFill>
                     <a:srgbClr val="000000"/>
                   </a:solidFill>
@@ -6196,7 +6196,7 @@
             </a:ln>
             <a:extLst>
               <a:ext uri="{91240B29-F687-4f45-9708-019B960494DF}">
-                <a14:hiddenLine xmlns:a14="http://schemas.microsoft.com/office/drawing/2010/main" xmlns="" w="9525">
+                <a14:hiddenLine xmlns="" xmlns:a14="http://schemas.microsoft.com/office/drawing/2010/main" w="9525">
                   <a:solidFill>
                     <a:srgbClr val="000000"/>
                   </a:solidFill>
@@ -6264,7 +6264,7 @@
             </a:ln>
             <a:extLst>
               <a:ext uri="{91240B29-F687-4f45-9708-019B960494DF}">
-                <a14:hiddenLine xmlns:a14="http://schemas.microsoft.com/office/drawing/2010/main" xmlns="" w="9525">
+                <a14:hiddenLine xmlns="" xmlns:a14="http://schemas.microsoft.com/office/drawing/2010/main" w="9525">
                   <a:solidFill>
                     <a:srgbClr val="000000"/>
                   </a:solidFill>
@@ -6326,7 +6326,7 @@
             </a:ln>
             <a:extLst>
               <a:ext uri="{91240B29-F687-4f45-9708-019B960494DF}">
-                <a14:hiddenLine xmlns:a14="http://schemas.microsoft.com/office/drawing/2010/main" xmlns="" w="9525">
+                <a14:hiddenLine xmlns="" xmlns:a14="http://schemas.microsoft.com/office/drawing/2010/main" w="9525">
                   <a:solidFill>
                     <a:srgbClr val="000000"/>
                   </a:solidFill>
@@ -6416,7 +6416,7 @@
             </a:ln>
             <a:extLst>
               <a:ext uri="{91240B29-F687-4f45-9708-019B960494DF}">
-                <a14:hiddenLine xmlns:a14="http://schemas.microsoft.com/office/drawing/2010/main" xmlns="" w="9525">
+                <a14:hiddenLine xmlns="" xmlns:a14="http://schemas.microsoft.com/office/drawing/2010/main" w="9525">
                   <a:solidFill>
                     <a:srgbClr val="000000"/>
                   </a:solidFill>
@@ -6478,7 +6478,7 @@
             </a:ln>
             <a:extLst>
               <a:ext uri="{91240B29-F687-4f45-9708-019B960494DF}">
-                <a14:hiddenLine xmlns:a14="http://schemas.microsoft.com/office/drawing/2010/main" xmlns="" w="9525">
+                <a14:hiddenLine xmlns="" xmlns:a14="http://schemas.microsoft.com/office/drawing/2010/main" w="9525">
                   <a:solidFill>
                     <a:srgbClr val="000000"/>
                   </a:solidFill>
@@ -6568,7 +6568,7 @@
             </a:ln>
             <a:extLst>
               <a:ext uri="{91240B29-F687-4f45-9708-019B960494DF}">
-                <a14:hiddenLine xmlns:a14="http://schemas.microsoft.com/office/drawing/2010/main" xmlns="" w="9525">
+                <a14:hiddenLine xmlns="" xmlns:a14="http://schemas.microsoft.com/office/drawing/2010/main" w="9525">
                   <a:solidFill>
                     <a:srgbClr val="000000"/>
                   </a:solidFill>
@@ -6630,7 +6630,7 @@
             </a:ln>
             <a:extLst>
               <a:ext uri="{91240B29-F687-4f45-9708-019B960494DF}">
-                <a14:hiddenLine xmlns:a14="http://schemas.microsoft.com/office/drawing/2010/main" xmlns="" w="9525">
+                <a14:hiddenLine xmlns="" xmlns:a14="http://schemas.microsoft.com/office/drawing/2010/main" w="9525">
                   <a:solidFill>
                     <a:srgbClr val="000000"/>
                   </a:solidFill>
@@ -6720,7 +6720,7 @@
             </a:ln>
             <a:extLst>
               <a:ext uri="{91240B29-F687-4f45-9708-019B960494DF}">
-                <a14:hiddenLine xmlns:a14="http://schemas.microsoft.com/office/drawing/2010/main" xmlns="" w="9525">
+                <a14:hiddenLine xmlns="" xmlns:a14="http://schemas.microsoft.com/office/drawing/2010/main" w="9525">
                   <a:solidFill>
                     <a:srgbClr val="000000"/>
                   </a:solidFill>
@@ -6754,7 +6754,7 @@
             </a:ln>
             <a:extLst>
               <a:ext uri="{91240B29-F687-4f45-9708-019B960494DF}">
-                <a14:hiddenLine xmlns:a14="http://schemas.microsoft.com/office/drawing/2010/main" xmlns="" w="9525">
+                <a14:hiddenLine xmlns="" xmlns:a14="http://schemas.microsoft.com/office/drawing/2010/main" w="9525">
                   <a:solidFill>
                     <a:srgbClr val="000000"/>
                   </a:solidFill>
@@ -6819,7 +6819,7 @@
             </a:ln>
             <a:extLst>
               <a:ext uri="{91240B29-F687-4f45-9708-019B960494DF}">
-                <a14:hiddenLine xmlns:a14="http://schemas.microsoft.com/office/drawing/2010/main" xmlns="" w="9525">
+                <a14:hiddenLine xmlns="" xmlns:a14="http://schemas.microsoft.com/office/drawing/2010/main" w="9525">
                   <a:solidFill>
                     <a:srgbClr val="000000"/>
                   </a:solidFill>
@@ -6909,7 +6909,7 @@
             </a:ln>
             <a:extLst>
               <a:ext uri="{91240B29-F687-4f45-9708-019B960494DF}">
-                <a14:hiddenLine xmlns:a14="http://schemas.microsoft.com/office/drawing/2010/main" xmlns="" w="9525">
+                <a14:hiddenLine xmlns="" xmlns:a14="http://schemas.microsoft.com/office/drawing/2010/main" w="9525">
                   <a:solidFill>
                     <a:srgbClr val="000000"/>
                   </a:solidFill>
@@ -6971,7 +6971,7 @@
             </a:ln>
             <a:extLst>
               <a:ext uri="{91240B29-F687-4f45-9708-019B960494DF}">
-                <a14:hiddenLine xmlns:a14="http://schemas.microsoft.com/office/drawing/2010/main" xmlns="" w="9525">
+                <a14:hiddenLine xmlns="" xmlns:a14="http://schemas.microsoft.com/office/drawing/2010/main" w="9525">
                   <a:solidFill>
                     <a:srgbClr val="000000"/>
                   </a:solidFill>
@@ -7061,7 +7061,7 @@
             </a:ln>
             <a:extLst>
               <a:ext uri="{91240B29-F687-4f45-9708-019B960494DF}">
-                <a14:hiddenLine xmlns:a14="http://schemas.microsoft.com/office/drawing/2010/main" xmlns="" w="9525">
+                <a14:hiddenLine xmlns="" xmlns:a14="http://schemas.microsoft.com/office/drawing/2010/main" w="9525">
                   <a:solidFill>
                     <a:srgbClr val="000000"/>
                   </a:solidFill>
@@ -7151,7 +7151,7 @@
             </a:ln>
             <a:extLst>
               <a:ext uri="{91240B29-F687-4f45-9708-019B960494DF}">
-                <a14:hiddenLine xmlns:a14="http://schemas.microsoft.com/office/drawing/2010/main" xmlns="" w="9525">
+                <a14:hiddenLine xmlns="" xmlns:a14="http://schemas.microsoft.com/office/drawing/2010/main" w="9525">
                   <a:solidFill>
                     <a:srgbClr val="000000"/>
                   </a:solidFill>
@@ -7216,7 +7216,7 @@
             </a:ln>
             <a:extLst>
               <a:ext uri="{91240B29-F687-4f45-9708-019B960494DF}">
-                <a14:hiddenLine xmlns:a14="http://schemas.microsoft.com/office/drawing/2010/main" xmlns="" w="9525">
+                <a14:hiddenLine xmlns="" xmlns:a14="http://schemas.microsoft.com/office/drawing/2010/main" w="9525">
                   <a:solidFill>
                     <a:srgbClr val="000000"/>
                   </a:solidFill>
@@ -7278,7 +7278,7 @@
             </a:ln>
             <a:extLst>
               <a:ext uri="{91240B29-F687-4f45-9708-019B960494DF}">
-                <a14:hiddenLine xmlns:a14="http://schemas.microsoft.com/office/drawing/2010/main" xmlns="" w="9525">
+                <a14:hiddenLine xmlns="" xmlns:a14="http://schemas.microsoft.com/office/drawing/2010/main" w="9525">
                   <a:solidFill>
                     <a:srgbClr val="000000"/>
                   </a:solidFill>
@@ -7368,7 +7368,7 @@
             </a:ln>
             <a:extLst>
               <a:ext uri="{91240B29-F687-4f45-9708-019B960494DF}">
-                <a14:hiddenLine xmlns:a14="http://schemas.microsoft.com/office/drawing/2010/main" xmlns="" w="9525">
+                <a14:hiddenLine xmlns="" xmlns:a14="http://schemas.microsoft.com/office/drawing/2010/main" w="9525">
                   <a:solidFill>
                     <a:srgbClr val="000000"/>
                   </a:solidFill>
@@ -7458,7 +7458,7 @@
             </a:ln>
             <a:extLst>
               <a:ext uri="{91240B29-F687-4f45-9708-019B960494DF}">
-                <a14:hiddenLine xmlns:a14="http://schemas.microsoft.com/office/drawing/2010/main" xmlns="" w="9525">
+                <a14:hiddenLine xmlns="" xmlns:a14="http://schemas.microsoft.com/office/drawing/2010/main" w="9525">
                   <a:solidFill>
                     <a:srgbClr val="000000"/>
                   </a:solidFill>
@@ -7520,7 +7520,7 @@
             </a:ln>
             <a:extLst>
               <a:ext uri="{91240B29-F687-4f45-9708-019B960494DF}">
-                <a14:hiddenLine xmlns:a14="http://schemas.microsoft.com/office/drawing/2010/main" xmlns="" w="9525">
+                <a14:hiddenLine xmlns="" xmlns:a14="http://schemas.microsoft.com/office/drawing/2010/main" w="9525">
                   <a:solidFill>
                     <a:srgbClr val="000000"/>
                   </a:solidFill>
@@ -7640,7 +7640,7 @@
             </a:ln>
             <a:extLst>
               <a:ext uri="{91240B29-F687-4f45-9708-019B960494DF}">
-                <a14:hiddenLine xmlns:a14="http://schemas.microsoft.com/office/drawing/2010/main" xmlns="" w="9525">
+                <a14:hiddenLine xmlns="" xmlns:a14="http://schemas.microsoft.com/office/drawing/2010/main" w="9525">
                   <a:solidFill>
                     <a:srgbClr val="000000"/>
                   </a:solidFill>
@@ -7708,7 +7708,7 @@
             </a:ln>
             <a:extLst>
               <a:ext uri="{91240B29-F687-4f45-9708-019B960494DF}">
-                <a14:hiddenLine xmlns:a14="http://schemas.microsoft.com/office/drawing/2010/main" xmlns="" w="9525">
+                <a14:hiddenLine xmlns="" xmlns:a14="http://schemas.microsoft.com/office/drawing/2010/main" w="9525">
                   <a:solidFill>
                     <a:srgbClr val="000000"/>
                   </a:solidFill>
@@ -7798,7 +7798,7 @@
             </a:ln>
             <a:extLst>
               <a:ext uri="{91240B29-F687-4f45-9708-019B960494DF}">
-                <a14:hiddenLine xmlns:a14="http://schemas.microsoft.com/office/drawing/2010/main" xmlns="" w="9525">
+                <a14:hiddenLine xmlns="" xmlns:a14="http://schemas.microsoft.com/office/drawing/2010/main" w="9525">
                   <a:solidFill>
                     <a:srgbClr val="000000"/>
                   </a:solidFill>
@@ -7938,7 +7938,7 @@
           <a:p>
             <a:fld id="{348D1148-AA36-4684-835C-5806DCFCF7AA}" type="datetimeFigureOut">
               <a:rPr lang="ru-RU" smtClean="0"/>
-              <a:t>01.05.2022</a:t>
+              <a:t>02.05.2022</a:t>
             </a:fld>
             <a:endParaRPr lang="ru-RU"/>
           </a:p>
@@ -8205,7 +8205,7 @@
           <a:p>
             <a:fld id="{348D1148-AA36-4684-835C-5806DCFCF7AA}" type="datetimeFigureOut">
               <a:rPr lang="ru-RU" smtClean="0"/>
-              <a:t>01.05.2022</a:t>
+              <a:t>02.05.2022</a:t>
             </a:fld>
             <a:endParaRPr lang="ru-RU"/>
           </a:p>
@@ -8401,7 +8401,7 @@
           <a:p>
             <a:fld id="{348D1148-AA36-4684-835C-5806DCFCF7AA}" type="datetimeFigureOut">
               <a:rPr lang="ru-RU" smtClean="0"/>
-              <a:t>01.05.2022</a:t>
+              <a:t>02.05.2022</a:t>
             </a:fld>
             <a:endParaRPr lang="ru-RU"/>
           </a:p>
@@ -8664,7 +8664,7 @@
           <a:p>
             <a:fld id="{348D1148-AA36-4684-835C-5806DCFCF7AA}" type="datetimeFigureOut">
               <a:rPr lang="ru-RU" smtClean="0"/>
-              <a:t>01.05.2022</a:t>
+              <a:t>02.05.2022</a:t>
             </a:fld>
             <a:endParaRPr lang="ru-RU"/>
           </a:p>
@@ -9098,7 +9098,7 @@
           <a:p>
             <a:fld id="{348D1148-AA36-4684-835C-5806DCFCF7AA}" type="datetimeFigureOut">
               <a:rPr lang="ru-RU" smtClean="0"/>
-              <a:t>01.05.2022</a:t>
+              <a:t>02.05.2022</a:t>
             </a:fld>
             <a:endParaRPr lang="ru-RU"/>
           </a:p>
@@ -9644,7 +9644,7 @@
           <a:p>
             <a:fld id="{348D1148-AA36-4684-835C-5806DCFCF7AA}" type="datetimeFigureOut">
               <a:rPr lang="ru-RU" smtClean="0"/>
-              <a:t>01.05.2022</a:t>
+              <a:t>02.05.2022</a:t>
             </a:fld>
             <a:endParaRPr lang="ru-RU"/>
           </a:p>
@@ -10364,7 +10364,7 @@
           <a:p>
             <a:fld id="{348D1148-AA36-4684-835C-5806DCFCF7AA}" type="datetimeFigureOut">
               <a:rPr lang="ru-RU" smtClean="0"/>
-              <a:t>01.05.2022</a:t>
+              <a:t>02.05.2022</a:t>
             </a:fld>
             <a:endParaRPr lang="ru-RU"/>
           </a:p>
@@ -10534,7 +10534,7 @@
           <a:p>
             <a:fld id="{348D1148-AA36-4684-835C-5806DCFCF7AA}" type="datetimeFigureOut">
               <a:rPr lang="ru-RU" smtClean="0"/>
-              <a:t>01.05.2022</a:t>
+              <a:t>02.05.2022</a:t>
             </a:fld>
             <a:endParaRPr lang="ru-RU"/>
           </a:p>
@@ -10714,7 +10714,7 @@
           <a:p>
             <a:fld id="{348D1148-AA36-4684-835C-5806DCFCF7AA}" type="datetimeFigureOut">
               <a:rPr lang="ru-RU" smtClean="0"/>
-              <a:t>01.05.2022</a:t>
+              <a:t>02.05.2022</a:t>
             </a:fld>
             <a:endParaRPr lang="ru-RU"/>
           </a:p>
@@ -10884,7 +10884,7 @@
           <a:p>
             <a:fld id="{348D1148-AA36-4684-835C-5806DCFCF7AA}" type="datetimeFigureOut">
               <a:rPr lang="ru-RU" smtClean="0"/>
-              <a:t>01.05.2022</a:t>
+              <a:t>02.05.2022</a:t>
             </a:fld>
             <a:endParaRPr lang="ru-RU"/>
           </a:p>
@@ -11134,7 +11134,7 @@
           <a:p>
             <a:fld id="{348D1148-AA36-4684-835C-5806DCFCF7AA}" type="datetimeFigureOut">
               <a:rPr lang="ru-RU" smtClean="0"/>
-              <a:t>01.05.2022</a:t>
+              <a:t>02.05.2022</a:t>
             </a:fld>
             <a:endParaRPr lang="ru-RU"/>
           </a:p>
@@ -11366,7 +11366,7 @@
           <a:p>
             <a:fld id="{348D1148-AA36-4684-835C-5806DCFCF7AA}" type="datetimeFigureOut">
               <a:rPr lang="ru-RU" smtClean="0"/>
-              <a:t>01.05.2022</a:t>
+              <a:t>02.05.2022</a:t>
             </a:fld>
             <a:endParaRPr lang="ru-RU"/>
           </a:p>
@@ -11747,7 +11747,7 @@
           <a:p>
             <a:fld id="{348D1148-AA36-4684-835C-5806DCFCF7AA}" type="datetimeFigureOut">
               <a:rPr lang="ru-RU" smtClean="0"/>
-              <a:t>01.05.2022</a:t>
+              <a:t>02.05.2022</a:t>
             </a:fld>
             <a:endParaRPr lang="ru-RU"/>
           </a:p>
@@ -11865,7 +11865,7 @@
           <a:p>
             <a:fld id="{348D1148-AA36-4684-835C-5806DCFCF7AA}" type="datetimeFigureOut">
               <a:rPr lang="ru-RU" smtClean="0"/>
-              <a:t>01.05.2022</a:t>
+              <a:t>02.05.2022</a:t>
             </a:fld>
             <a:endParaRPr lang="ru-RU"/>
           </a:p>
@@ -11960,7 +11960,7 @@
           <a:p>
             <a:fld id="{348D1148-AA36-4684-835C-5806DCFCF7AA}" type="datetimeFigureOut">
               <a:rPr lang="ru-RU" smtClean="0"/>
-              <a:t>01.05.2022</a:t>
+              <a:t>02.05.2022</a:t>
             </a:fld>
             <a:endParaRPr lang="ru-RU"/>
           </a:p>
@@ -12209,7 +12209,7 @@
           <a:p>
             <a:fld id="{348D1148-AA36-4684-835C-5806DCFCF7AA}" type="datetimeFigureOut">
               <a:rPr lang="ru-RU" smtClean="0"/>
-              <a:t>01.05.2022</a:t>
+              <a:t>02.05.2022</a:t>
             </a:fld>
             <a:endParaRPr lang="ru-RU"/>
           </a:p>
@@ -12489,7 +12489,7 @@
           <a:p>
             <a:fld id="{348D1148-AA36-4684-835C-5806DCFCF7AA}" type="datetimeFigureOut">
               <a:rPr lang="ru-RU" smtClean="0"/>
-              <a:t>01.05.2022</a:t>
+              <a:t>02.05.2022</a:t>
             </a:fld>
             <a:endParaRPr lang="ru-RU"/>
           </a:p>
@@ -12612,7 +12612,7 @@
           <a:noFill/>
           <a:extLst>
             <a:ext uri="{909E8E84-426E-40dd-AFC4-6F175D3DCCD1}">
-              <a14:hiddenFill xmlns:a14="http://schemas.microsoft.com/office/drawing/2010/main" xmlns="">
+              <a14:hiddenFill xmlns="" xmlns:a14="http://schemas.microsoft.com/office/drawing/2010/main">
                 <a:solidFill>
                   <a:srgbClr val="FFFFFF"/>
                 </a:solidFill>
@@ -12686,7 +12686,7 @@
               </a:ln>
               <a:extLst>
                 <a:ext uri="{91240B29-F687-4f45-9708-019B960494DF}">
-                  <a14:hiddenLine xmlns:a14="http://schemas.microsoft.com/office/drawing/2010/main" xmlns="" w="9525">
+                  <a14:hiddenLine xmlns="" xmlns:a14="http://schemas.microsoft.com/office/drawing/2010/main" w="9525">
                     <a:solidFill>
                       <a:srgbClr val="000000"/>
                     </a:solidFill>
@@ -12776,7 +12776,7 @@
               </a:ln>
               <a:extLst>
                 <a:ext uri="{91240B29-F687-4f45-9708-019B960494DF}">
-                  <a14:hiddenLine xmlns:a14="http://schemas.microsoft.com/office/drawing/2010/main" xmlns="" w="9525">
+                  <a14:hiddenLine xmlns="" xmlns:a14="http://schemas.microsoft.com/office/drawing/2010/main" w="9525">
                     <a:solidFill>
                       <a:srgbClr val="000000"/>
                     </a:solidFill>
@@ -12866,7 +12866,7 @@
               </a:ln>
               <a:extLst>
                 <a:ext uri="{91240B29-F687-4f45-9708-019B960494DF}">
-                  <a14:hiddenLine xmlns:a14="http://schemas.microsoft.com/office/drawing/2010/main" xmlns="" w="9525">
+                  <a14:hiddenLine xmlns="" xmlns:a14="http://schemas.microsoft.com/office/drawing/2010/main" w="9525">
                     <a:solidFill>
                       <a:srgbClr val="000000"/>
                     </a:solidFill>
@@ -12928,7 +12928,7 @@
               </a:ln>
               <a:extLst>
                 <a:ext uri="{91240B29-F687-4f45-9708-019B960494DF}">
-                  <a14:hiddenLine xmlns:a14="http://schemas.microsoft.com/office/drawing/2010/main" xmlns="" w="9525">
+                  <a14:hiddenLine xmlns="" xmlns:a14="http://schemas.microsoft.com/office/drawing/2010/main" w="9525">
                     <a:solidFill>
                       <a:srgbClr val="000000"/>
                     </a:solidFill>
@@ -13018,7 +13018,7 @@
               </a:ln>
               <a:extLst>
                 <a:ext uri="{91240B29-F687-4f45-9708-019B960494DF}">
-                  <a14:hiddenLine xmlns:a14="http://schemas.microsoft.com/office/drawing/2010/main" xmlns="" w="9525">
+                  <a14:hiddenLine xmlns="" xmlns:a14="http://schemas.microsoft.com/office/drawing/2010/main" w="9525">
                     <a:solidFill>
                       <a:srgbClr val="000000"/>
                     </a:solidFill>
@@ -13080,7 +13080,7 @@
               </a:ln>
               <a:extLst>
                 <a:ext uri="{91240B29-F687-4f45-9708-019B960494DF}">
-                  <a14:hiddenLine xmlns:a14="http://schemas.microsoft.com/office/drawing/2010/main" xmlns="" w="9525">
+                  <a14:hiddenLine xmlns="" xmlns:a14="http://schemas.microsoft.com/office/drawing/2010/main" w="9525">
                     <a:solidFill>
                       <a:srgbClr val="000000"/>
                     </a:solidFill>
@@ -13142,7 +13142,7 @@
               </a:ln>
               <a:extLst>
                 <a:ext uri="{91240B29-F687-4f45-9708-019B960494DF}">
-                  <a14:hiddenLine xmlns:a14="http://schemas.microsoft.com/office/drawing/2010/main" xmlns="" w="9525">
+                  <a14:hiddenLine xmlns="" xmlns:a14="http://schemas.microsoft.com/office/drawing/2010/main" w="9525">
                     <a:solidFill>
                       <a:srgbClr val="000000"/>
                     </a:solidFill>
@@ -13232,7 +13232,7 @@
               </a:ln>
               <a:extLst>
                 <a:ext uri="{91240B29-F687-4f45-9708-019B960494DF}">
-                  <a14:hiddenLine xmlns:a14="http://schemas.microsoft.com/office/drawing/2010/main" xmlns="" w="9525">
+                  <a14:hiddenLine xmlns="" xmlns:a14="http://schemas.microsoft.com/office/drawing/2010/main" w="9525">
                     <a:solidFill>
                       <a:srgbClr val="000000"/>
                     </a:solidFill>
@@ -13322,7 +13322,7 @@
               </a:ln>
               <a:extLst>
                 <a:ext uri="{91240B29-F687-4f45-9708-019B960494DF}">
-                  <a14:hiddenLine xmlns:a14="http://schemas.microsoft.com/office/drawing/2010/main" xmlns="" w="9525">
+                  <a14:hiddenLine xmlns="" xmlns:a14="http://schemas.microsoft.com/office/drawing/2010/main" w="9525">
                     <a:solidFill>
                       <a:srgbClr val="000000"/>
                     </a:solidFill>
@@ -13384,7 +13384,7 @@
               </a:ln>
               <a:extLst>
                 <a:ext uri="{91240B29-F687-4f45-9708-019B960494DF}">
-                  <a14:hiddenLine xmlns:a14="http://schemas.microsoft.com/office/drawing/2010/main" xmlns="" w="9525">
+                  <a14:hiddenLine xmlns="" xmlns:a14="http://schemas.microsoft.com/office/drawing/2010/main" w="9525">
                     <a:solidFill>
                       <a:srgbClr val="000000"/>
                     </a:solidFill>
@@ -13494,7 +13494,7 @@
               </a:ln>
               <a:extLst>
                 <a:ext uri="{91240B29-F687-4f45-9708-019B960494DF}">
-                  <a14:hiddenLine xmlns:a14="http://schemas.microsoft.com/office/drawing/2010/main" xmlns="" w="9525">
+                  <a14:hiddenLine xmlns="" xmlns:a14="http://schemas.microsoft.com/office/drawing/2010/main" w="9525">
                     <a:solidFill>
                       <a:srgbClr val="000000"/>
                     </a:solidFill>
@@ -13578,7 +13578,7 @@
               </a:ln>
               <a:extLst>
                 <a:ext uri="{91240B29-F687-4f45-9708-019B960494DF}">
-                  <a14:hiddenLine xmlns:a14="http://schemas.microsoft.com/office/drawing/2010/main" xmlns="" w="9525">
+                  <a14:hiddenLine xmlns="" xmlns:a14="http://schemas.microsoft.com/office/drawing/2010/main" w="9525">
                     <a:solidFill>
                       <a:srgbClr val="000000"/>
                     </a:solidFill>
@@ -13640,7 +13640,7 @@
               </a:ln>
               <a:extLst>
                 <a:ext uri="{91240B29-F687-4f45-9708-019B960494DF}">
-                  <a14:hiddenLine xmlns:a14="http://schemas.microsoft.com/office/drawing/2010/main" xmlns="" w="9525">
+                  <a14:hiddenLine xmlns="" xmlns:a14="http://schemas.microsoft.com/office/drawing/2010/main" w="9525">
                     <a:solidFill>
                       <a:srgbClr val="000000"/>
                     </a:solidFill>
@@ -13702,7 +13702,7 @@
               </a:ln>
               <a:extLst>
                 <a:ext uri="{91240B29-F687-4f45-9708-019B960494DF}">
-                  <a14:hiddenLine xmlns:a14="http://schemas.microsoft.com/office/drawing/2010/main" xmlns="" w="9525">
+                  <a14:hiddenLine xmlns="" xmlns:a14="http://schemas.microsoft.com/office/drawing/2010/main" w="9525">
                     <a:solidFill>
                       <a:srgbClr val="000000"/>
                     </a:solidFill>
@@ -13792,7 +13792,7 @@
               </a:ln>
               <a:extLst>
                 <a:ext uri="{91240B29-F687-4f45-9708-019B960494DF}">
-                  <a14:hiddenLine xmlns:a14="http://schemas.microsoft.com/office/drawing/2010/main" xmlns="" w="9525">
+                  <a14:hiddenLine xmlns="" xmlns:a14="http://schemas.microsoft.com/office/drawing/2010/main" w="9525">
                     <a:solidFill>
                       <a:srgbClr val="000000"/>
                     </a:solidFill>
@@ -13826,7 +13826,7 @@
               </a:ln>
               <a:extLst>
                 <a:ext uri="{91240B29-F687-4f45-9708-019B960494DF}">
-                  <a14:hiddenLine xmlns:a14="http://schemas.microsoft.com/office/drawing/2010/main" xmlns="" w="9525">
+                  <a14:hiddenLine xmlns="" xmlns:a14="http://schemas.microsoft.com/office/drawing/2010/main" w="9525">
                     <a:solidFill>
                       <a:srgbClr val="000000"/>
                     </a:solidFill>
@@ -13891,7 +13891,7 @@
               </a:ln>
               <a:extLst>
                 <a:ext uri="{91240B29-F687-4f45-9708-019B960494DF}">
-                  <a14:hiddenLine xmlns:a14="http://schemas.microsoft.com/office/drawing/2010/main" xmlns="" w="9525">
+                  <a14:hiddenLine xmlns="" xmlns:a14="http://schemas.microsoft.com/office/drawing/2010/main" w="9525">
                     <a:solidFill>
                       <a:srgbClr val="000000"/>
                     </a:solidFill>
@@ -13981,7 +13981,7 @@
               </a:ln>
               <a:extLst>
                 <a:ext uri="{91240B29-F687-4f45-9708-019B960494DF}">
-                  <a14:hiddenLine xmlns:a14="http://schemas.microsoft.com/office/drawing/2010/main" xmlns="" w="9525">
+                  <a14:hiddenLine xmlns="" xmlns:a14="http://schemas.microsoft.com/office/drawing/2010/main" w="9525">
                     <a:solidFill>
                       <a:srgbClr val="000000"/>
                     </a:solidFill>
@@ -14043,7 +14043,7 @@
               </a:ln>
               <a:extLst>
                 <a:ext uri="{91240B29-F687-4f45-9708-019B960494DF}">
-                  <a14:hiddenLine xmlns:a14="http://schemas.microsoft.com/office/drawing/2010/main" xmlns="" w="9525">
+                  <a14:hiddenLine xmlns="" xmlns:a14="http://schemas.microsoft.com/office/drawing/2010/main" w="9525">
                     <a:solidFill>
                       <a:srgbClr val="000000"/>
                     </a:solidFill>
@@ -14133,7 +14133,7 @@
               </a:ln>
               <a:extLst>
                 <a:ext uri="{91240B29-F687-4f45-9708-019B960494DF}">
-                  <a14:hiddenLine xmlns:a14="http://schemas.microsoft.com/office/drawing/2010/main" xmlns="" w="9525">
+                  <a14:hiddenLine xmlns="" xmlns:a14="http://schemas.microsoft.com/office/drawing/2010/main" w="9525">
                     <a:solidFill>
                       <a:srgbClr val="000000"/>
                     </a:solidFill>
@@ -14198,7 +14198,7 @@
               </a:ln>
               <a:extLst>
                 <a:ext uri="{91240B29-F687-4f45-9708-019B960494DF}">
-                  <a14:hiddenLine xmlns:a14="http://schemas.microsoft.com/office/drawing/2010/main" xmlns="" w="9525">
+                  <a14:hiddenLine xmlns="" xmlns:a14="http://schemas.microsoft.com/office/drawing/2010/main" w="9525">
                     <a:solidFill>
                       <a:srgbClr val="000000"/>
                     </a:solidFill>
@@ -14260,7 +14260,7 @@
               </a:ln>
               <a:extLst>
                 <a:ext uri="{91240B29-F687-4f45-9708-019B960494DF}">
-                  <a14:hiddenLine xmlns:a14="http://schemas.microsoft.com/office/drawing/2010/main" xmlns="" w="9525">
+                  <a14:hiddenLine xmlns="" xmlns:a14="http://schemas.microsoft.com/office/drawing/2010/main" w="9525">
                     <a:solidFill>
                       <a:srgbClr val="000000"/>
                     </a:solidFill>
@@ -14350,7 +14350,7 @@
               </a:ln>
               <a:extLst>
                 <a:ext uri="{91240B29-F687-4f45-9708-019B960494DF}">
-                  <a14:hiddenLine xmlns:a14="http://schemas.microsoft.com/office/drawing/2010/main" xmlns="" w="9525">
+                  <a14:hiddenLine xmlns="" xmlns:a14="http://schemas.microsoft.com/office/drawing/2010/main" w="9525">
                     <a:solidFill>
                       <a:srgbClr val="000000"/>
                     </a:solidFill>
@@ -14440,7 +14440,7 @@
               </a:ln>
               <a:extLst>
                 <a:ext uri="{91240B29-F687-4f45-9708-019B960494DF}">
-                  <a14:hiddenLine xmlns:a14="http://schemas.microsoft.com/office/drawing/2010/main" xmlns="" w="9525">
+                  <a14:hiddenLine xmlns="" xmlns:a14="http://schemas.microsoft.com/office/drawing/2010/main" w="9525">
                     <a:solidFill>
                       <a:srgbClr val="000000"/>
                     </a:solidFill>
@@ -14505,7 +14505,7 @@
               </a:ln>
               <a:extLst>
                 <a:ext uri="{91240B29-F687-4f45-9708-019B960494DF}">
-                  <a14:hiddenLine xmlns:a14="http://schemas.microsoft.com/office/drawing/2010/main" xmlns="" w="9525">
+                  <a14:hiddenLine xmlns="" xmlns:a14="http://schemas.microsoft.com/office/drawing/2010/main" w="9525">
                     <a:solidFill>
                       <a:srgbClr val="000000"/>
                     </a:solidFill>
@@ -14625,7 +14625,7 @@
               </a:ln>
               <a:extLst>
                 <a:ext uri="{91240B29-F687-4f45-9708-019B960494DF}">
-                  <a14:hiddenLine xmlns:a14="http://schemas.microsoft.com/office/drawing/2010/main" xmlns="" w="9525">
+                  <a14:hiddenLine xmlns="" xmlns:a14="http://schemas.microsoft.com/office/drawing/2010/main" w="9525">
                     <a:solidFill>
                       <a:srgbClr val="000000"/>
                     </a:solidFill>
@@ -14706,7 +14706,7 @@
               </a:ln>
               <a:extLst>
                 <a:ext uri="{91240B29-F687-4f45-9708-019B960494DF}">
-                  <a14:hiddenLine xmlns:a14="http://schemas.microsoft.com/office/drawing/2010/main" xmlns="" w="9525">
+                  <a14:hiddenLine xmlns="" xmlns:a14="http://schemas.microsoft.com/office/drawing/2010/main" w="9525">
                     <a:solidFill>
                       <a:srgbClr val="000000"/>
                     </a:solidFill>
@@ -14821,7 +14821,7 @@
               </a:ln>
               <a:extLst>
                 <a:ext uri="{91240B29-F687-4f45-9708-019B960494DF}">
-                  <a14:hiddenLine xmlns:a14="http://schemas.microsoft.com/office/drawing/2010/main" xmlns="" w="9525">
+                  <a14:hiddenLine xmlns="" xmlns:a14="http://schemas.microsoft.com/office/drawing/2010/main" w="9525">
                     <a:solidFill>
                       <a:srgbClr val="000000"/>
                     </a:solidFill>
@@ -14911,7 +14911,7 @@
               </a:ln>
               <a:extLst>
                 <a:ext uri="{91240B29-F687-4f45-9708-019B960494DF}">
-                  <a14:hiddenLine xmlns:a14="http://schemas.microsoft.com/office/drawing/2010/main" xmlns="" w="9525">
+                  <a14:hiddenLine xmlns="" xmlns:a14="http://schemas.microsoft.com/office/drawing/2010/main" w="9525">
                     <a:solidFill>
                       <a:srgbClr val="000000"/>
                     </a:solidFill>
@@ -14976,7 +14976,7 @@
               </a:ln>
               <a:extLst>
                 <a:ext uri="{91240B29-F687-4f45-9708-019B960494DF}">
-                  <a14:hiddenLine xmlns:a14="http://schemas.microsoft.com/office/drawing/2010/main" xmlns="" w="9525">
+                  <a14:hiddenLine xmlns="" xmlns:a14="http://schemas.microsoft.com/office/drawing/2010/main" w="9525">
                     <a:solidFill>
                       <a:srgbClr val="000000"/>
                     </a:solidFill>
@@ -15066,7 +15066,7 @@
               </a:ln>
               <a:extLst>
                 <a:ext uri="{91240B29-F687-4f45-9708-019B960494DF}">
-                  <a14:hiddenLine xmlns:a14="http://schemas.microsoft.com/office/drawing/2010/main" xmlns="" w="9525">
+                  <a14:hiddenLine xmlns="" xmlns:a14="http://schemas.microsoft.com/office/drawing/2010/main" w="9525">
                     <a:solidFill>
                       <a:srgbClr val="000000"/>
                     </a:solidFill>
@@ -15134,7 +15134,7 @@
               </a:ln>
               <a:extLst>
                 <a:ext uri="{91240B29-F687-4f45-9708-019B960494DF}">
-                  <a14:hiddenLine xmlns:a14="http://schemas.microsoft.com/office/drawing/2010/main" xmlns="" w="9525">
+                  <a14:hiddenLine xmlns="" xmlns:a14="http://schemas.microsoft.com/office/drawing/2010/main" w="9525">
                     <a:solidFill>
                       <a:srgbClr val="000000"/>
                     </a:solidFill>
@@ -15224,7 +15224,7 @@
               </a:ln>
               <a:extLst>
                 <a:ext uri="{91240B29-F687-4f45-9708-019B960494DF}">
-                  <a14:hiddenLine xmlns:a14="http://schemas.microsoft.com/office/drawing/2010/main" xmlns="" w="9525">
+                  <a14:hiddenLine xmlns="" xmlns:a14="http://schemas.microsoft.com/office/drawing/2010/main" w="9525">
                     <a:solidFill>
                       <a:srgbClr val="000000"/>
                     </a:solidFill>
@@ -15292,7 +15292,7 @@
               </a:ln>
               <a:extLst>
                 <a:ext uri="{91240B29-F687-4f45-9708-019B960494DF}">
-                  <a14:hiddenLine xmlns:a14="http://schemas.microsoft.com/office/drawing/2010/main" xmlns="" w="9525">
+                  <a14:hiddenLine xmlns="" xmlns:a14="http://schemas.microsoft.com/office/drawing/2010/main" w="9525">
                     <a:solidFill>
                       <a:srgbClr val="000000"/>
                     </a:solidFill>
@@ -15382,7 +15382,7 @@
               </a:ln>
               <a:extLst>
                 <a:ext uri="{91240B29-F687-4f45-9708-019B960494DF}">
-                  <a14:hiddenLine xmlns:a14="http://schemas.microsoft.com/office/drawing/2010/main" xmlns="" w="9525">
+                  <a14:hiddenLine xmlns="" xmlns:a14="http://schemas.microsoft.com/office/drawing/2010/main" w="9525">
                     <a:solidFill>
                       <a:srgbClr val="000000"/>
                     </a:solidFill>
@@ -15416,7 +15416,7 @@
               </a:ln>
               <a:extLst>
                 <a:ext uri="{91240B29-F687-4f45-9708-019B960494DF}">
-                  <a14:hiddenLine xmlns:a14="http://schemas.microsoft.com/office/drawing/2010/main" xmlns="" w="9525">
+                  <a14:hiddenLine xmlns="" xmlns:a14="http://schemas.microsoft.com/office/drawing/2010/main" w="9525">
                     <a:solidFill>
                       <a:srgbClr val="000000"/>
                     </a:solidFill>
@@ -15556,7 +15556,7 @@
           <a:p>
             <a:fld id="{348D1148-AA36-4684-835C-5806DCFCF7AA}" type="datetimeFigureOut">
               <a:rPr lang="ru-RU" smtClean="0"/>
-              <a:t>01.05.2022</a:t>
+              <a:t>02.05.2022</a:t>
             </a:fld>
             <a:endParaRPr lang="ru-RU"/>
           </a:p>
@@ -16275,1772 +16275,6 @@
           <a:chExt cx="0" cy="0"/>
         </a:xfrm>
       </p:grpSpPr>
-      <p:pic>
-        <p:nvPicPr>
-          <p:cNvPr id="10" name="Picture 9">
-            <a:extLst>
-              <a:ext uri="{FF2B5EF4-FFF2-40B4-BE49-F238E27FC236}">
-                <a16:creationId xmlns:a16="http://schemas.microsoft.com/office/drawing/2014/main" id="{6E9C438A-ABFB-4F6B-84F1-BBB7FAEA9FA7}"/>
-              </a:ext>
-            </a:extLst>
-          </p:cNvPr>
-          <p:cNvPicPr>
-            <a:picLocks noChangeAspect="1"/>
-          </p:cNvPicPr>
-          <p:nvPr/>
-        </p:nvPicPr>
-        <p:blipFill>
-          <a:blip r:embed="rId5">
-            <a:extLst>
-              <a:ext uri="{28A0092B-C50C-407E-A947-70E740481C1C}">
-                <a14:useLocalDpi xmlns:a14="http://schemas.microsoft.com/office/drawing/2010/main" val="0"/>
-              </a:ext>
-            </a:extLst>
-          </a:blip>
-          <a:stretch>
-            <a:fillRect/>
-          </a:stretch>
-        </p:blipFill>
-        <p:spPr>
-          <a:xfrm>
-            <a:off x="1069164" y="2898560"/>
-            <a:ext cx="5479682" cy="1968212"/>
-          </a:xfrm>
-          <a:prstGeom prst="rect">
-            <a:avLst/>
-          </a:prstGeom>
-        </p:spPr>
-      </p:pic>
-      <p:sp>
-        <p:nvSpPr>
-          <p:cNvPr id="2" name="Title 1">
-            <a:extLst>
-              <a:ext uri="{FF2B5EF4-FFF2-40B4-BE49-F238E27FC236}">
-                <a16:creationId xmlns:a16="http://schemas.microsoft.com/office/drawing/2014/main" id="{BDBA0D75-288E-4498-BEEE-F0BE2C70965D}"/>
-              </a:ext>
-            </a:extLst>
-          </p:cNvPr>
-          <p:cNvSpPr>
-            <a:spLocks noGrp="1"/>
-          </p:cNvSpPr>
-          <p:nvPr>
-            <p:ph type="title"/>
-          </p:nvPr>
-        </p:nvSpPr>
-        <p:spPr>
-          <a:xfrm>
-            <a:off x="1141413" y="359149"/>
-            <a:ext cx="9905998" cy="1478570"/>
-          </a:xfrm>
-        </p:spPr>
-        <p:txBody>
-          <a:bodyPr/>
-          <a:lstStyle/>
-          <a:p>
-            <a:r>
-              <a:rPr lang="ru-RU" dirty="0"/>
-              <a:t>Сортировка выбором</a:t>
-            </a:r>
-          </a:p>
-        </p:txBody>
-      </p:sp>
-      <p:sp>
-        <p:nvSpPr>
-          <p:cNvPr id="3" name="Content Placeholder 2">
-            <a:extLst>
-              <a:ext uri="{FF2B5EF4-FFF2-40B4-BE49-F238E27FC236}">
-                <a16:creationId xmlns:a16="http://schemas.microsoft.com/office/drawing/2014/main" id="{2EF2176F-A672-4FB7-B9BC-3FCDB153BE3D}"/>
-              </a:ext>
-            </a:extLst>
-          </p:cNvPr>
-          <p:cNvSpPr>
-            <a:spLocks noGrp="1"/>
-          </p:cNvSpPr>
-          <p:nvPr>
-            <p:ph idx="1"/>
-          </p:nvPr>
-        </p:nvSpPr>
-        <p:spPr>
-          <a:xfrm>
-            <a:off x="6810694" y="1837719"/>
-            <a:ext cx="5381306" cy="4392208"/>
-          </a:xfrm>
-        </p:spPr>
-        <p:txBody>
-          <a:bodyPr>
-            <a:normAutofit fontScale="92500" lnSpcReduction="20000"/>
-          </a:bodyPr>
-          <a:lstStyle/>
-          <a:p>
-            <a:pPr marL="0" indent="0">
-              <a:spcBef>
-                <a:spcPts val="0"/>
-              </a:spcBef>
-              <a:buNone/>
-            </a:pPr>
-            <a:r>
-              <a:rPr lang="en-GB" sz="1600" b="0" dirty="0">
-                <a:solidFill>
-                  <a:srgbClr val="569CD6"/>
-                </a:solidFill>
-                <a:effectLst/>
-                <a:latin typeface="Consolas" panose="020B0609020204030204" pitchFamily="49" charset="0"/>
-              </a:rPr>
-              <a:t>void</a:t>
-            </a:r>
-            <a:r>
-              <a:rPr lang="en-GB" sz="1600" b="0" dirty="0">
-                <a:solidFill>
-                  <a:srgbClr val="D4D4D4"/>
-                </a:solidFill>
-                <a:effectLst/>
-                <a:latin typeface="Consolas" panose="020B0609020204030204" pitchFamily="49" charset="0"/>
-              </a:rPr>
-              <a:t> </a:t>
-            </a:r>
-            <a:r>
-              <a:rPr lang="en-GB" sz="1600" b="0" dirty="0" err="1">
-                <a:solidFill>
-                  <a:srgbClr val="DCDCAA"/>
-                </a:solidFill>
-                <a:effectLst/>
-                <a:latin typeface="Consolas" panose="020B0609020204030204" pitchFamily="49" charset="0"/>
-              </a:rPr>
-              <a:t>selectionSort</a:t>
-            </a:r>
-            <a:r>
-              <a:rPr lang="en-GB" sz="1600" b="0" dirty="0">
-                <a:solidFill>
-                  <a:srgbClr val="D4D4D4"/>
-                </a:solidFill>
-                <a:effectLst/>
-                <a:latin typeface="Consolas" panose="020B0609020204030204" pitchFamily="49" charset="0"/>
-              </a:rPr>
-              <a:t>(</a:t>
-            </a:r>
-            <a:r>
-              <a:rPr lang="en-GB" sz="1600" b="0" dirty="0">
-                <a:solidFill>
-                  <a:srgbClr val="569CD6"/>
-                </a:solidFill>
-                <a:effectLst/>
-                <a:latin typeface="Consolas" panose="020B0609020204030204" pitchFamily="49" charset="0"/>
-              </a:rPr>
-              <a:t>int</a:t>
-            </a:r>
-            <a:r>
-              <a:rPr lang="en-GB" sz="1600" b="0" dirty="0">
-                <a:solidFill>
-                  <a:srgbClr val="D4D4D4"/>
-                </a:solidFill>
-                <a:effectLst/>
-                <a:latin typeface="Consolas" panose="020B0609020204030204" pitchFamily="49" charset="0"/>
-              </a:rPr>
-              <a:t> </a:t>
-            </a:r>
-            <a:r>
-              <a:rPr lang="en-GB" sz="1600" b="0" dirty="0">
-                <a:solidFill>
-                  <a:srgbClr val="9CDCFE"/>
-                </a:solidFill>
-                <a:effectLst/>
-                <a:latin typeface="Consolas" panose="020B0609020204030204" pitchFamily="49" charset="0"/>
-              </a:rPr>
-              <a:t>array</a:t>
-            </a:r>
-            <a:r>
-              <a:rPr lang="en-GB" sz="1600" b="0" dirty="0">
-                <a:solidFill>
-                  <a:srgbClr val="D4D4D4"/>
-                </a:solidFill>
-                <a:effectLst/>
-                <a:latin typeface="Consolas" panose="020B0609020204030204" pitchFamily="49" charset="0"/>
-              </a:rPr>
-              <a:t>[], </a:t>
-            </a:r>
-            <a:r>
-              <a:rPr lang="en-GB" sz="1600" b="0" dirty="0">
-                <a:solidFill>
-                  <a:srgbClr val="569CD6"/>
-                </a:solidFill>
-                <a:effectLst/>
-                <a:latin typeface="Consolas" panose="020B0609020204030204" pitchFamily="49" charset="0"/>
-              </a:rPr>
-              <a:t>int</a:t>
-            </a:r>
-            <a:r>
-              <a:rPr lang="en-GB" sz="1600" b="0" dirty="0">
-                <a:solidFill>
-                  <a:srgbClr val="D4D4D4"/>
-                </a:solidFill>
-                <a:effectLst/>
-                <a:latin typeface="Consolas" panose="020B0609020204030204" pitchFamily="49" charset="0"/>
-              </a:rPr>
-              <a:t> </a:t>
-            </a:r>
-            <a:r>
-              <a:rPr lang="en-GB" sz="1600" b="0" dirty="0" err="1">
-                <a:solidFill>
-                  <a:srgbClr val="9CDCFE"/>
-                </a:solidFill>
-                <a:effectLst/>
-                <a:latin typeface="Consolas" panose="020B0609020204030204" pitchFamily="49" charset="0"/>
-              </a:rPr>
-              <a:t>arrayLen</a:t>
-            </a:r>
-            <a:r>
-              <a:rPr lang="en-GB" sz="1600" b="0" dirty="0">
-                <a:solidFill>
-                  <a:srgbClr val="D4D4D4"/>
-                </a:solidFill>
-                <a:effectLst/>
-                <a:latin typeface="Consolas" panose="020B0609020204030204" pitchFamily="49" charset="0"/>
-              </a:rPr>
-              <a:t>) </a:t>
-            </a:r>
-          </a:p>
-          <a:p>
-            <a:pPr marL="0" indent="0">
-              <a:spcBef>
-                <a:spcPts val="0"/>
-              </a:spcBef>
-              <a:buNone/>
-            </a:pPr>
-            <a:r>
-              <a:rPr lang="en-GB" sz="1600" b="0" dirty="0">
-                <a:solidFill>
-                  <a:srgbClr val="D4D4D4"/>
-                </a:solidFill>
-                <a:effectLst/>
-                <a:latin typeface="Consolas" panose="020B0609020204030204" pitchFamily="49" charset="0"/>
-              </a:rPr>
-              <a:t>{ </a:t>
-            </a:r>
-          </a:p>
-          <a:p>
-            <a:pPr marL="0" indent="0">
-              <a:spcBef>
-                <a:spcPts val="0"/>
-              </a:spcBef>
-              <a:buNone/>
-            </a:pPr>
-            <a:r>
-              <a:rPr lang="en-GB" sz="1600" b="0" dirty="0">
-                <a:solidFill>
-                  <a:srgbClr val="D4D4D4"/>
-                </a:solidFill>
-                <a:effectLst/>
-                <a:latin typeface="Consolas" panose="020B0609020204030204" pitchFamily="49" charset="0"/>
-              </a:rPr>
-              <a:t>    </a:t>
-            </a:r>
-            <a:r>
-              <a:rPr lang="en-GB" sz="1600" b="0" dirty="0">
-                <a:solidFill>
-                  <a:srgbClr val="569CD6"/>
-                </a:solidFill>
-                <a:effectLst/>
-                <a:latin typeface="Consolas" panose="020B0609020204030204" pitchFamily="49" charset="0"/>
-              </a:rPr>
-              <a:t>int</a:t>
-            </a:r>
-            <a:r>
-              <a:rPr lang="en-GB" sz="1600" b="0" dirty="0">
-                <a:solidFill>
-                  <a:srgbClr val="D4D4D4"/>
-                </a:solidFill>
-                <a:effectLst/>
-                <a:latin typeface="Consolas" panose="020B0609020204030204" pitchFamily="49" charset="0"/>
-              </a:rPr>
-              <a:t> </a:t>
-            </a:r>
-            <a:r>
-              <a:rPr lang="en-GB" sz="1600" b="0" dirty="0" err="1">
-                <a:solidFill>
-                  <a:srgbClr val="D4D4D4"/>
-                </a:solidFill>
-                <a:effectLst/>
-                <a:latin typeface="Consolas" panose="020B0609020204030204" pitchFamily="49" charset="0"/>
-              </a:rPr>
-              <a:t>minElementIndex</a:t>
-            </a:r>
-            <a:r>
-              <a:rPr lang="en-GB" sz="1600" b="0" dirty="0">
-                <a:solidFill>
-                  <a:srgbClr val="D4D4D4"/>
-                </a:solidFill>
-                <a:effectLst/>
-                <a:latin typeface="Consolas" panose="020B0609020204030204" pitchFamily="49" charset="0"/>
-              </a:rPr>
-              <a:t>, </a:t>
-            </a:r>
-            <a:r>
-              <a:rPr lang="en-GB" sz="1600" b="0" dirty="0" err="1">
-                <a:solidFill>
-                  <a:srgbClr val="D4D4D4"/>
-                </a:solidFill>
-                <a:effectLst/>
-                <a:latin typeface="Consolas" panose="020B0609020204030204" pitchFamily="49" charset="0"/>
-              </a:rPr>
-              <a:t>tempBuffer</a:t>
-            </a:r>
-            <a:r>
-              <a:rPr lang="en-GB" sz="1600" b="0" dirty="0">
-                <a:solidFill>
-                  <a:srgbClr val="D4D4D4"/>
-                </a:solidFill>
-                <a:effectLst/>
-                <a:latin typeface="Consolas" panose="020B0609020204030204" pitchFamily="49" charset="0"/>
-              </a:rPr>
-              <a:t>; </a:t>
-            </a:r>
-          </a:p>
-          <a:p>
-            <a:pPr marL="0" indent="0">
-              <a:spcBef>
-                <a:spcPts val="0"/>
-              </a:spcBef>
-              <a:buNone/>
-            </a:pPr>
-            <a:r>
-              <a:rPr lang="en-GB" sz="1600" b="0" dirty="0">
-                <a:solidFill>
-                  <a:srgbClr val="D4D4D4"/>
-                </a:solidFill>
-                <a:effectLst/>
-                <a:latin typeface="Consolas" panose="020B0609020204030204" pitchFamily="49" charset="0"/>
-              </a:rPr>
-              <a:t>  </a:t>
-            </a:r>
-          </a:p>
-          <a:p>
-            <a:pPr marL="0" indent="0">
-              <a:spcBef>
-                <a:spcPts val="0"/>
-              </a:spcBef>
-              <a:buNone/>
-            </a:pPr>
-            <a:r>
-              <a:rPr lang="en-GB" sz="1600" b="0" dirty="0">
-                <a:solidFill>
-                  <a:srgbClr val="D4D4D4"/>
-                </a:solidFill>
-                <a:effectLst/>
-                <a:latin typeface="Consolas" panose="020B0609020204030204" pitchFamily="49" charset="0"/>
-              </a:rPr>
-              <a:t>    </a:t>
-            </a:r>
-            <a:r>
-              <a:rPr lang="en-GB" sz="1600" b="0" dirty="0">
-                <a:solidFill>
-                  <a:srgbClr val="C586C0"/>
-                </a:solidFill>
-                <a:effectLst/>
-                <a:latin typeface="Consolas" panose="020B0609020204030204" pitchFamily="49" charset="0"/>
-              </a:rPr>
-              <a:t>for</a:t>
-            </a:r>
-            <a:r>
-              <a:rPr lang="en-GB" sz="1600" b="0" dirty="0">
-                <a:solidFill>
-                  <a:srgbClr val="D4D4D4"/>
-                </a:solidFill>
-                <a:effectLst/>
-                <a:latin typeface="Consolas" panose="020B0609020204030204" pitchFamily="49" charset="0"/>
-              </a:rPr>
-              <a:t> (</a:t>
-            </a:r>
-            <a:r>
-              <a:rPr lang="en-GB" sz="1600" b="0" dirty="0">
-                <a:solidFill>
-                  <a:srgbClr val="569CD6"/>
-                </a:solidFill>
-                <a:effectLst/>
-                <a:latin typeface="Consolas" panose="020B0609020204030204" pitchFamily="49" charset="0"/>
-              </a:rPr>
-              <a:t>int</a:t>
-            </a:r>
-            <a:r>
-              <a:rPr lang="en-GB" sz="1600" b="0" dirty="0">
-                <a:solidFill>
-                  <a:srgbClr val="D4D4D4"/>
-                </a:solidFill>
-                <a:effectLst/>
-                <a:latin typeface="Consolas" panose="020B0609020204030204" pitchFamily="49" charset="0"/>
-              </a:rPr>
-              <a:t> </a:t>
-            </a:r>
-            <a:r>
-              <a:rPr lang="en-GB" sz="1600" b="0" dirty="0" err="1">
-                <a:solidFill>
-                  <a:srgbClr val="D4D4D4"/>
-                </a:solidFill>
-                <a:effectLst/>
-                <a:latin typeface="Consolas" panose="020B0609020204030204" pitchFamily="49" charset="0"/>
-              </a:rPr>
-              <a:t>i</a:t>
-            </a:r>
-            <a:r>
-              <a:rPr lang="en-GB" sz="1600" b="0" dirty="0">
-                <a:solidFill>
-                  <a:srgbClr val="D4D4D4"/>
-                </a:solidFill>
-                <a:effectLst/>
-                <a:latin typeface="Consolas" panose="020B0609020204030204" pitchFamily="49" charset="0"/>
-              </a:rPr>
-              <a:t> = </a:t>
-            </a:r>
-            <a:r>
-              <a:rPr lang="en-GB" sz="1600" b="0" dirty="0">
-                <a:solidFill>
-                  <a:srgbClr val="B5CEA8"/>
-                </a:solidFill>
-                <a:effectLst/>
-                <a:latin typeface="Consolas" panose="020B0609020204030204" pitchFamily="49" charset="0"/>
-              </a:rPr>
-              <a:t>0</a:t>
-            </a:r>
-            <a:r>
-              <a:rPr lang="en-GB" sz="1600" b="0" dirty="0">
-                <a:solidFill>
-                  <a:srgbClr val="D4D4D4"/>
-                </a:solidFill>
-                <a:effectLst/>
-                <a:latin typeface="Consolas" panose="020B0609020204030204" pitchFamily="49" charset="0"/>
-              </a:rPr>
-              <a:t>; </a:t>
-            </a:r>
-            <a:r>
-              <a:rPr lang="en-GB" sz="1600" b="0" dirty="0" err="1">
-                <a:solidFill>
-                  <a:srgbClr val="D4D4D4"/>
-                </a:solidFill>
-                <a:effectLst/>
-                <a:latin typeface="Consolas" panose="020B0609020204030204" pitchFamily="49" charset="0"/>
-              </a:rPr>
-              <a:t>i</a:t>
-            </a:r>
-            <a:r>
-              <a:rPr lang="en-GB" sz="1600" b="0" dirty="0">
-                <a:solidFill>
-                  <a:srgbClr val="D4D4D4"/>
-                </a:solidFill>
-                <a:effectLst/>
-                <a:latin typeface="Consolas" panose="020B0609020204030204" pitchFamily="49" charset="0"/>
-              </a:rPr>
-              <a:t> &lt; </a:t>
-            </a:r>
-            <a:r>
-              <a:rPr lang="en-GB" sz="1600" b="0" dirty="0" err="1">
-                <a:solidFill>
-                  <a:srgbClr val="D4D4D4"/>
-                </a:solidFill>
-                <a:effectLst/>
-                <a:latin typeface="Consolas" panose="020B0609020204030204" pitchFamily="49" charset="0"/>
-              </a:rPr>
-              <a:t>arrayLen</a:t>
-            </a:r>
-            <a:r>
-              <a:rPr lang="en-GB" sz="1600" b="0" dirty="0">
-                <a:solidFill>
-                  <a:srgbClr val="D4D4D4"/>
-                </a:solidFill>
-                <a:effectLst/>
-                <a:latin typeface="Consolas" panose="020B0609020204030204" pitchFamily="49" charset="0"/>
-              </a:rPr>
-              <a:t> - </a:t>
-            </a:r>
-            <a:r>
-              <a:rPr lang="en-GB" sz="1600" b="0" dirty="0">
-                <a:solidFill>
-                  <a:srgbClr val="B5CEA8"/>
-                </a:solidFill>
-                <a:effectLst/>
-                <a:latin typeface="Consolas" panose="020B0609020204030204" pitchFamily="49" charset="0"/>
-              </a:rPr>
-              <a:t>1</a:t>
-            </a:r>
-            <a:r>
-              <a:rPr lang="en-GB" sz="1600" b="0" dirty="0">
-                <a:solidFill>
-                  <a:srgbClr val="D4D4D4"/>
-                </a:solidFill>
-                <a:effectLst/>
-                <a:latin typeface="Consolas" panose="020B0609020204030204" pitchFamily="49" charset="0"/>
-              </a:rPr>
-              <a:t>; </a:t>
-            </a:r>
-            <a:r>
-              <a:rPr lang="en-GB" sz="1600" b="0" dirty="0" err="1">
-                <a:solidFill>
-                  <a:srgbClr val="D4D4D4"/>
-                </a:solidFill>
-                <a:effectLst/>
-                <a:latin typeface="Consolas" panose="020B0609020204030204" pitchFamily="49" charset="0"/>
-              </a:rPr>
-              <a:t>i</a:t>
-            </a:r>
-            <a:r>
-              <a:rPr lang="en-GB" sz="1600" b="0" dirty="0">
-                <a:solidFill>
-                  <a:srgbClr val="D4D4D4"/>
-                </a:solidFill>
-                <a:effectLst/>
-                <a:latin typeface="Consolas" panose="020B0609020204030204" pitchFamily="49" charset="0"/>
-              </a:rPr>
-              <a:t>++) { </a:t>
-            </a:r>
-          </a:p>
-          <a:p>
-            <a:pPr marL="0" indent="0">
-              <a:spcBef>
-                <a:spcPts val="0"/>
-              </a:spcBef>
-              <a:buNone/>
-            </a:pPr>
-            <a:r>
-              <a:rPr lang="en-GB" sz="1600" b="0" dirty="0">
-                <a:solidFill>
-                  <a:srgbClr val="D4D4D4"/>
-                </a:solidFill>
-                <a:effectLst/>
-                <a:latin typeface="Consolas" panose="020B0609020204030204" pitchFamily="49" charset="0"/>
-              </a:rPr>
-              <a:t>        </a:t>
-            </a:r>
-            <a:r>
-              <a:rPr lang="en-GB" sz="1600" b="0" dirty="0" err="1">
-                <a:solidFill>
-                  <a:srgbClr val="D4D4D4"/>
-                </a:solidFill>
-                <a:effectLst/>
-                <a:latin typeface="Consolas" panose="020B0609020204030204" pitchFamily="49" charset="0"/>
-              </a:rPr>
-              <a:t>minElementIndex</a:t>
-            </a:r>
-            <a:r>
-              <a:rPr lang="en-GB" sz="1600" b="0" dirty="0">
-                <a:solidFill>
-                  <a:srgbClr val="D4D4D4"/>
-                </a:solidFill>
-                <a:effectLst/>
-                <a:latin typeface="Consolas" panose="020B0609020204030204" pitchFamily="49" charset="0"/>
-              </a:rPr>
-              <a:t> = </a:t>
-            </a:r>
-            <a:r>
-              <a:rPr lang="en-GB" sz="1600" b="0" dirty="0" err="1">
-                <a:solidFill>
-                  <a:srgbClr val="D4D4D4"/>
-                </a:solidFill>
-                <a:effectLst/>
-                <a:latin typeface="Consolas" panose="020B0609020204030204" pitchFamily="49" charset="0"/>
-              </a:rPr>
-              <a:t>i</a:t>
-            </a:r>
-            <a:r>
-              <a:rPr lang="en-GB" sz="1600" b="0" dirty="0">
-                <a:solidFill>
-                  <a:srgbClr val="D4D4D4"/>
-                </a:solidFill>
-                <a:effectLst/>
-                <a:latin typeface="Consolas" panose="020B0609020204030204" pitchFamily="49" charset="0"/>
-              </a:rPr>
-              <a:t>; </a:t>
-            </a:r>
-          </a:p>
-          <a:p>
-            <a:pPr marL="0" indent="0">
-              <a:spcBef>
-                <a:spcPts val="0"/>
-              </a:spcBef>
-              <a:buNone/>
-            </a:pPr>
-            <a:r>
-              <a:rPr lang="en-GB" sz="1600" b="0" dirty="0">
-                <a:solidFill>
-                  <a:srgbClr val="D4D4D4"/>
-                </a:solidFill>
-                <a:effectLst/>
-                <a:latin typeface="Consolas" panose="020B0609020204030204" pitchFamily="49" charset="0"/>
-              </a:rPr>
-              <a:t>        </a:t>
-            </a:r>
-            <a:r>
-              <a:rPr lang="en-GB" sz="1600" b="0" dirty="0">
-                <a:solidFill>
-                  <a:srgbClr val="C586C0"/>
-                </a:solidFill>
-                <a:effectLst/>
-                <a:latin typeface="Consolas" panose="020B0609020204030204" pitchFamily="49" charset="0"/>
-              </a:rPr>
-              <a:t>for</a:t>
-            </a:r>
-            <a:r>
-              <a:rPr lang="en-GB" sz="1600" b="0" dirty="0">
-                <a:solidFill>
-                  <a:srgbClr val="D4D4D4"/>
-                </a:solidFill>
-                <a:effectLst/>
-                <a:latin typeface="Consolas" panose="020B0609020204030204" pitchFamily="49" charset="0"/>
-              </a:rPr>
-              <a:t> (</a:t>
-            </a:r>
-            <a:r>
-              <a:rPr lang="en-GB" sz="1600" b="0" dirty="0">
-                <a:solidFill>
-                  <a:srgbClr val="569CD6"/>
-                </a:solidFill>
-                <a:effectLst/>
-                <a:latin typeface="Consolas" panose="020B0609020204030204" pitchFamily="49" charset="0"/>
-              </a:rPr>
-              <a:t>int</a:t>
-            </a:r>
-            <a:r>
-              <a:rPr lang="en-GB" sz="1600" b="0" dirty="0">
-                <a:solidFill>
-                  <a:srgbClr val="D4D4D4"/>
-                </a:solidFill>
-                <a:effectLst/>
-                <a:latin typeface="Consolas" panose="020B0609020204030204" pitchFamily="49" charset="0"/>
-              </a:rPr>
-              <a:t> j = </a:t>
-            </a:r>
-            <a:r>
-              <a:rPr lang="en-GB" sz="1600" b="0" dirty="0" err="1">
-                <a:solidFill>
-                  <a:srgbClr val="D4D4D4"/>
-                </a:solidFill>
-                <a:effectLst/>
-                <a:latin typeface="Consolas" panose="020B0609020204030204" pitchFamily="49" charset="0"/>
-              </a:rPr>
-              <a:t>i</a:t>
-            </a:r>
-            <a:r>
-              <a:rPr lang="en-GB" sz="1600" b="0" dirty="0">
-                <a:solidFill>
-                  <a:srgbClr val="D4D4D4"/>
-                </a:solidFill>
-                <a:effectLst/>
-                <a:latin typeface="Consolas" panose="020B0609020204030204" pitchFamily="49" charset="0"/>
-              </a:rPr>
-              <a:t> + </a:t>
-            </a:r>
-            <a:r>
-              <a:rPr lang="en-GB" sz="1600" b="0" dirty="0">
-                <a:solidFill>
-                  <a:srgbClr val="B5CEA8"/>
-                </a:solidFill>
-                <a:effectLst/>
-                <a:latin typeface="Consolas" panose="020B0609020204030204" pitchFamily="49" charset="0"/>
-              </a:rPr>
-              <a:t>1</a:t>
-            </a:r>
-            <a:r>
-              <a:rPr lang="en-GB" sz="1600" b="0" dirty="0">
-                <a:solidFill>
-                  <a:srgbClr val="D4D4D4"/>
-                </a:solidFill>
-                <a:effectLst/>
-                <a:latin typeface="Consolas" panose="020B0609020204030204" pitchFamily="49" charset="0"/>
-              </a:rPr>
-              <a:t>; j &lt; </a:t>
-            </a:r>
-            <a:r>
-              <a:rPr lang="en-GB" sz="1600" b="0" dirty="0" err="1">
-                <a:solidFill>
-                  <a:srgbClr val="D4D4D4"/>
-                </a:solidFill>
-                <a:effectLst/>
-                <a:latin typeface="Consolas" panose="020B0609020204030204" pitchFamily="49" charset="0"/>
-              </a:rPr>
-              <a:t>arrayLen</a:t>
-            </a:r>
-            <a:r>
-              <a:rPr lang="en-GB" sz="1600" b="0" dirty="0">
-                <a:solidFill>
-                  <a:srgbClr val="D4D4D4"/>
-                </a:solidFill>
-                <a:effectLst/>
-                <a:latin typeface="Consolas" panose="020B0609020204030204" pitchFamily="49" charset="0"/>
-              </a:rPr>
-              <a:t>; </a:t>
-            </a:r>
-            <a:r>
-              <a:rPr lang="en-GB" sz="1600" b="0" dirty="0" err="1">
-                <a:solidFill>
-                  <a:srgbClr val="D4D4D4"/>
-                </a:solidFill>
-                <a:effectLst/>
-                <a:latin typeface="Consolas" panose="020B0609020204030204" pitchFamily="49" charset="0"/>
-              </a:rPr>
-              <a:t>j++</a:t>
-            </a:r>
-            <a:r>
-              <a:rPr lang="en-GB" sz="1600" b="0" dirty="0">
-                <a:solidFill>
-                  <a:srgbClr val="D4D4D4"/>
-                </a:solidFill>
-                <a:effectLst/>
-                <a:latin typeface="Consolas" panose="020B0609020204030204" pitchFamily="49" charset="0"/>
-              </a:rPr>
-              <a:t>) {</a:t>
-            </a:r>
-          </a:p>
-          <a:p>
-            <a:pPr marL="0" indent="0">
-              <a:spcBef>
-                <a:spcPts val="0"/>
-              </a:spcBef>
-              <a:buNone/>
-            </a:pPr>
-            <a:r>
-              <a:rPr lang="en-GB" sz="1600" b="0" dirty="0">
-                <a:solidFill>
-                  <a:srgbClr val="D4D4D4"/>
-                </a:solidFill>
-                <a:effectLst/>
-                <a:latin typeface="Consolas" panose="020B0609020204030204" pitchFamily="49" charset="0"/>
-              </a:rPr>
-              <a:t>            </a:t>
-            </a:r>
-            <a:r>
-              <a:rPr lang="en-GB" sz="1600" b="0" dirty="0">
-                <a:solidFill>
-                  <a:srgbClr val="C586C0"/>
-                </a:solidFill>
-                <a:effectLst/>
-                <a:latin typeface="Consolas" panose="020B0609020204030204" pitchFamily="49" charset="0"/>
-              </a:rPr>
-              <a:t>if</a:t>
-            </a:r>
-            <a:r>
-              <a:rPr lang="en-GB" sz="1600" b="0" dirty="0">
-                <a:solidFill>
-                  <a:srgbClr val="D4D4D4"/>
-                </a:solidFill>
-                <a:effectLst/>
-                <a:latin typeface="Consolas" panose="020B0609020204030204" pitchFamily="49" charset="0"/>
-              </a:rPr>
-              <a:t> (</a:t>
-            </a:r>
-            <a:r>
-              <a:rPr lang="en-GB" sz="1600" b="0" dirty="0">
-                <a:solidFill>
-                  <a:srgbClr val="9CDCFE"/>
-                </a:solidFill>
-                <a:effectLst/>
-                <a:latin typeface="Consolas" panose="020B0609020204030204" pitchFamily="49" charset="0"/>
-              </a:rPr>
-              <a:t>array</a:t>
-            </a:r>
-            <a:r>
-              <a:rPr lang="en-GB" sz="1600" b="0" dirty="0">
-                <a:solidFill>
-                  <a:srgbClr val="D4D4D4"/>
-                </a:solidFill>
-                <a:effectLst/>
-                <a:latin typeface="Consolas" panose="020B0609020204030204" pitchFamily="49" charset="0"/>
-              </a:rPr>
-              <a:t>[j] &lt; </a:t>
-            </a:r>
-            <a:r>
-              <a:rPr lang="ru-RU" sz="1600" b="0" dirty="0">
-                <a:solidFill>
-                  <a:srgbClr val="D4D4D4"/>
-                </a:solidFill>
-                <a:effectLst/>
-                <a:latin typeface="Consolas" panose="020B0609020204030204" pitchFamily="49" charset="0"/>
-              </a:rPr>
-              <a:t>				</a:t>
-            </a:r>
-            <a:r>
-              <a:rPr lang="en-GB" sz="1600" b="0" dirty="0">
-                <a:solidFill>
-                  <a:srgbClr val="9CDCFE"/>
-                </a:solidFill>
-                <a:effectLst/>
-                <a:latin typeface="Consolas" panose="020B0609020204030204" pitchFamily="49" charset="0"/>
-              </a:rPr>
-              <a:t>array</a:t>
-            </a:r>
-            <a:r>
-              <a:rPr lang="en-GB" sz="1600" b="0" dirty="0">
-                <a:solidFill>
-                  <a:srgbClr val="D4D4D4"/>
-                </a:solidFill>
-                <a:effectLst/>
-                <a:latin typeface="Consolas" panose="020B0609020204030204" pitchFamily="49" charset="0"/>
-              </a:rPr>
-              <a:t>[</a:t>
-            </a:r>
-            <a:r>
-              <a:rPr lang="en-GB" sz="1600" b="0" dirty="0" err="1">
-                <a:solidFill>
-                  <a:srgbClr val="D4D4D4"/>
-                </a:solidFill>
-                <a:effectLst/>
-                <a:latin typeface="Consolas" panose="020B0609020204030204" pitchFamily="49" charset="0"/>
-              </a:rPr>
-              <a:t>minElementIndex</a:t>
-            </a:r>
-            <a:r>
-              <a:rPr lang="en-GB" sz="1600" b="0" dirty="0">
-                <a:solidFill>
-                  <a:srgbClr val="D4D4D4"/>
-                </a:solidFill>
-                <a:effectLst/>
-                <a:latin typeface="Consolas" panose="020B0609020204030204" pitchFamily="49" charset="0"/>
-              </a:rPr>
-              <a:t>]) {</a:t>
-            </a:r>
-          </a:p>
-          <a:p>
-            <a:pPr marL="0" indent="0">
-              <a:spcBef>
-                <a:spcPts val="0"/>
-              </a:spcBef>
-              <a:buNone/>
-            </a:pPr>
-            <a:r>
-              <a:rPr lang="en-GB" sz="1600" b="0" dirty="0">
-                <a:solidFill>
-                  <a:srgbClr val="D4D4D4"/>
-                </a:solidFill>
-                <a:effectLst/>
-                <a:latin typeface="Consolas" panose="020B0609020204030204" pitchFamily="49" charset="0"/>
-              </a:rPr>
-              <a:t>            </a:t>
-            </a:r>
-            <a:r>
-              <a:rPr lang="en-GB" sz="1600" b="0" dirty="0" err="1">
-                <a:solidFill>
-                  <a:srgbClr val="D4D4D4"/>
-                </a:solidFill>
-                <a:effectLst/>
-                <a:latin typeface="Consolas" panose="020B0609020204030204" pitchFamily="49" charset="0"/>
-              </a:rPr>
-              <a:t>minElementIndex</a:t>
-            </a:r>
-            <a:r>
-              <a:rPr lang="en-GB" sz="1600" b="0" dirty="0">
-                <a:solidFill>
-                  <a:srgbClr val="D4D4D4"/>
-                </a:solidFill>
-                <a:effectLst/>
-                <a:latin typeface="Consolas" panose="020B0609020204030204" pitchFamily="49" charset="0"/>
-              </a:rPr>
-              <a:t> = j; </a:t>
-            </a:r>
-          </a:p>
-          <a:p>
-            <a:pPr marL="0" indent="0">
-              <a:spcBef>
-                <a:spcPts val="0"/>
-              </a:spcBef>
-              <a:buNone/>
-            </a:pPr>
-            <a:r>
-              <a:rPr lang="en-GB" sz="1600" b="0" dirty="0">
-                <a:solidFill>
-                  <a:srgbClr val="D4D4D4"/>
-                </a:solidFill>
-                <a:effectLst/>
-                <a:latin typeface="Consolas" panose="020B0609020204030204" pitchFamily="49" charset="0"/>
-              </a:rPr>
-              <a:t>            } </a:t>
-            </a:r>
-          </a:p>
-          <a:p>
-            <a:pPr marL="0" indent="0">
-              <a:spcBef>
-                <a:spcPts val="0"/>
-              </a:spcBef>
-              <a:buNone/>
-            </a:pPr>
-            <a:r>
-              <a:rPr lang="en-GB" sz="1600" b="0" dirty="0">
-                <a:solidFill>
-                  <a:srgbClr val="D4D4D4"/>
-                </a:solidFill>
-                <a:effectLst/>
-                <a:latin typeface="Consolas" panose="020B0609020204030204" pitchFamily="49" charset="0"/>
-              </a:rPr>
-              <a:t>        }</a:t>
-            </a:r>
-          </a:p>
-          <a:p>
-            <a:pPr marL="0" indent="0">
-              <a:spcBef>
-                <a:spcPts val="0"/>
-              </a:spcBef>
-              <a:buNone/>
-            </a:pPr>
-            <a:r>
-              <a:rPr lang="en-GB" sz="1600" b="0" dirty="0">
-                <a:solidFill>
-                  <a:srgbClr val="D4D4D4"/>
-                </a:solidFill>
-                <a:effectLst/>
-                <a:latin typeface="Consolas" panose="020B0609020204030204" pitchFamily="49" charset="0"/>
-              </a:rPr>
-              <a:t>        </a:t>
-            </a:r>
-          </a:p>
-          <a:p>
-            <a:pPr marL="0" indent="0">
-              <a:spcBef>
-                <a:spcPts val="0"/>
-              </a:spcBef>
-              <a:buNone/>
-            </a:pPr>
-            <a:r>
-              <a:rPr lang="en-GB" sz="1600" b="0" dirty="0">
-                <a:solidFill>
-                  <a:srgbClr val="D4D4D4"/>
-                </a:solidFill>
-                <a:effectLst/>
-                <a:latin typeface="Consolas" panose="020B0609020204030204" pitchFamily="49" charset="0"/>
-              </a:rPr>
-              <a:t>        </a:t>
-            </a:r>
-            <a:r>
-              <a:rPr lang="en-GB" sz="1600" b="0" dirty="0" err="1">
-                <a:solidFill>
-                  <a:srgbClr val="D4D4D4"/>
-                </a:solidFill>
-                <a:effectLst/>
-                <a:latin typeface="Consolas" panose="020B0609020204030204" pitchFamily="49" charset="0"/>
-              </a:rPr>
-              <a:t>tempBuffer</a:t>
-            </a:r>
-            <a:r>
-              <a:rPr lang="en-GB" sz="1600" b="0" dirty="0">
-                <a:solidFill>
-                  <a:srgbClr val="D4D4D4"/>
-                </a:solidFill>
-                <a:effectLst/>
-                <a:latin typeface="Consolas" panose="020B0609020204030204" pitchFamily="49" charset="0"/>
-              </a:rPr>
-              <a:t> = </a:t>
-            </a:r>
-            <a:r>
-              <a:rPr lang="en-GB" sz="1600" b="0" dirty="0">
-                <a:solidFill>
-                  <a:srgbClr val="9CDCFE"/>
-                </a:solidFill>
-                <a:effectLst/>
-                <a:latin typeface="Consolas" panose="020B0609020204030204" pitchFamily="49" charset="0"/>
-              </a:rPr>
-              <a:t>array</a:t>
-            </a:r>
-            <a:r>
-              <a:rPr lang="en-GB" sz="1600" b="0" dirty="0">
-                <a:solidFill>
-                  <a:srgbClr val="D4D4D4"/>
-                </a:solidFill>
-                <a:effectLst/>
-                <a:latin typeface="Consolas" panose="020B0609020204030204" pitchFamily="49" charset="0"/>
-              </a:rPr>
-              <a:t>[</a:t>
-            </a:r>
-            <a:r>
-              <a:rPr lang="en-GB" sz="1600" b="0" dirty="0" err="1">
-                <a:solidFill>
-                  <a:srgbClr val="D4D4D4"/>
-                </a:solidFill>
-                <a:effectLst/>
-                <a:latin typeface="Consolas" panose="020B0609020204030204" pitchFamily="49" charset="0"/>
-              </a:rPr>
-              <a:t>minElementIndex</a:t>
-            </a:r>
-            <a:r>
-              <a:rPr lang="en-GB" sz="1600" b="0" dirty="0">
-                <a:solidFill>
-                  <a:srgbClr val="D4D4D4"/>
-                </a:solidFill>
-                <a:effectLst/>
-                <a:latin typeface="Consolas" panose="020B0609020204030204" pitchFamily="49" charset="0"/>
-              </a:rPr>
-              <a:t>];</a:t>
-            </a:r>
-          </a:p>
-          <a:p>
-            <a:pPr marL="0" indent="0">
-              <a:spcBef>
-                <a:spcPts val="0"/>
-              </a:spcBef>
-              <a:buNone/>
-            </a:pPr>
-            <a:r>
-              <a:rPr lang="en-GB" sz="1600" b="0" dirty="0">
-                <a:solidFill>
-                  <a:srgbClr val="D4D4D4"/>
-                </a:solidFill>
-                <a:effectLst/>
-                <a:latin typeface="Consolas" panose="020B0609020204030204" pitchFamily="49" charset="0"/>
-              </a:rPr>
-              <a:t>        </a:t>
-            </a:r>
-            <a:r>
-              <a:rPr lang="en-GB" sz="1600" b="0" dirty="0">
-                <a:solidFill>
-                  <a:srgbClr val="9CDCFE"/>
-                </a:solidFill>
-                <a:effectLst/>
-                <a:latin typeface="Consolas" panose="020B0609020204030204" pitchFamily="49" charset="0"/>
-              </a:rPr>
-              <a:t>array</a:t>
-            </a:r>
-            <a:r>
-              <a:rPr lang="en-GB" sz="1600" b="0" dirty="0">
-                <a:solidFill>
-                  <a:srgbClr val="D4D4D4"/>
-                </a:solidFill>
-                <a:effectLst/>
-                <a:latin typeface="Consolas" panose="020B0609020204030204" pitchFamily="49" charset="0"/>
-              </a:rPr>
-              <a:t>[</a:t>
-            </a:r>
-            <a:r>
-              <a:rPr lang="en-GB" sz="1600" b="0" dirty="0" err="1">
-                <a:solidFill>
-                  <a:srgbClr val="D4D4D4"/>
-                </a:solidFill>
-                <a:effectLst/>
-                <a:latin typeface="Consolas" panose="020B0609020204030204" pitchFamily="49" charset="0"/>
-              </a:rPr>
-              <a:t>minElementIndex</a:t>
-            </a:r>
-            <a:r>
-              <a:rPr lang="en-GB" sz="1600" b="0" dirty="0">
-                <a:solidFill>
-                  <a:srgbClr val="D4D4D4"/>
-                </a:solidFill>
-                <a:effectLst/>
-                <a:latin typeface="Consolas" panose="020B0609020204030204" pitchFamily="49" charset="0"/>
-              </a:rPr>
-              <a:t>] = </a:t>
-            </a:r>
-            <a:r>
-              <a:rPr lang="en-GB" sz="1600" b="0" dirty="0">
-                <a:solidFill>
-                  <a:srgbClr val="9CDCFE"/>
-                </a:solidFill>
-                <a:effectLst/>
-                <a:latin typeface="Consolas" panose="020B0609020204030204" pitchFamily="49" charset="0"/>
-              </a:rPr>
-              <a:t>array</a:t>
-            </a:r>
-            <a:r>
-              <a:rPr lang="en-GB" sz="1600" b="0" dirty="0">
-                <a:solidFill>
-                  <a:srgbClr val="D4D4D4"/>
-                </a:solidFill>
-                <a:effectLst/>
-                <a:latin typeface="Consolas" panose="020B0609020204030204" pitchFamily="49" charset="0"/>
-              </a:rPr>
-              <a:t>[</a:t>
-            </a:r>
-            <a:r>
-              <a:rPr lang="en-GB" sz="1600" b="0" dirty="0" err="1">
-                <a:solidFill>
-                  <a:srgbClr val="D4D4D4"/>
-                </a:solidFill>
-                <a:effectLst/>
-                <a:latin typeface="Consolas" panose="020B0609020204030204" pitchFamily="49" charset="0"/>
-              </a:rPr>
-              <a:t>i</a:t>
-            </a:r>
-            <a:r>
-              <a:rPr lang="en-GB" sz="1600" b="0" dirty="0">
-                <a:solidFill>
-                  <a:srgbClr val="D4D4D4"/>
-                </a:solidFill>
-                <a:effectLst/>
-                <a:latin typeface="Consolas" panose="020B0609020204030204" pitchFamily="49" charset="0"/>
-              </a:rPr>
-              <a:t>];</a:t>
-            </a:r>
-          </a:p>
-          <a:p>
-            <a:pPr marL="0" indent="0">
-              <a:spcBef>
-                <a:spcPts val="0"/>
-              </a:spcBef>
-              <a:buNone/>
-            </a:pPr>
-            <a:r>
-              <a:rPr lang="en-GB" sz="1600" b="0" dirty="0">
-                <a:solidFill>
-                  <a:srgbClr val="D4D4D4"/>
-                </a:solidFill>
-                <a:effectLst/>
-                <a:latin typeface="Consolas" panose="020B0609020204030204" pitchFamily="49" charset="0"/>
-              </a:rPr>
-              <a:t>        </a:t>
-            </a:r>
-            <a:r>
-              <a:rPr lang="en-GB" sz="1600" b="0" dirty="0">
-                <a:solidFill>
-                  <a:srgbClr val="9CDCFE"/>
-                </a:solidFill>
-                <a:effectLst/>
-                <a:latin typeface="Consolas" panose="020B0609020204030204" pitchFamily="49" charset="0"/>
-              </a:rPr>
-              <a:t>array</a:t>
-            </a:r>
-            <a:r>
-              <a:rPr lang="en-GB" sz="1600" b="0" dirty="0">
-                <a:solidFill>
-                  <a:srgbClr val="D4D4D4"/>
-                </a:solidFill>
-                <a:effectLst/>
-                <a:latin typeface="Consolas" panose="020B0609020204030204" pitchFamily="49" charset="0"/>
-              </a:rPr>
-              <a:t>[</a:t>
-            </a:r>
-            <a:r>
-              <a:rPr lang="en-GB" sz="1600" b="0" dirty="0" err="1">
-                <a:solidFill>
-                  <a:srgbClr val="D4D4D4"/>
-                </a:solidFill>
-                <a:effectLst/>
-                <a:latin typeface="Consolas" panose="020B0609020204030204" pitchFamily="49" charset="0"/>
-              </a:rPr>
-              <a:t>i</a:t>
-            </a:r>
-            <a:r>
-              <a:rPr lang="en-GB" sz="1600" b="0" dirty="0">
-                <a:solidFill>
-                  <a:srgbClr val="D4D4D4"/>
-                </a:solidFill>
-                <a:effectLst/>
-                <a:latin typeface="Consolas" panose="020B0609020204030204" pitchFamily="49" charset="0"/>
-              </a:rPr>
-              <a:t>] = </a:t>
-            </a:r>
-            <a:r>
-              <a:rPr lang="en-GB" sz="1600" b="0" dirty="0" err="1">
-                <a:solidFill>
-                  <a:srgbClr val="D4D4D4"/>
-                </a:solidFill>
-                <a:effectLst/>
-                <a:latin typeface="Consolas" panose="020B0609020204030204" pitchFamily="49" charset="0"/>
-              </a:rPr>
-              <a:t>tempBuffer</a:t>
-            </a:r>
-            <a:r>
-              <a:rPr lang="en-GB" sz="1600" b="0" dirty="0">
-                <a:solidFill>
-                  <a:srgbClr val="D4D4D4"/>
-                </a:solidFill>
-                <a:effectLst/>
-                <a:latin typeface="Consolas" panose="020B0609020204030204" pitchFamily="49" charset="0"/>
-              </a:rPr>
-              <a:t>;</a:t>
-            </a:r>
-          </a:p>
-          <a:p>
-            <a:pPr marL="0" indent="0">
-              <a:spcBef>
-                <a:spcPts val="0"/>
-              </a:spcBef>
-              <a:buNone/>
-            </a:pPr>
-            <a:r>
-              <a:rPr lang="en-GB" sz="1600" b="0" dirty="0">
-                <a:solidFill>
-                  <a:srgbClr val="D4D4D4"/>
-                </a:solidFill>
-                <a:effectLst/>
-                <a:latin typeface="Consolas" panose="020B0609020204030204" pitchFamily="49" charset="0"/>
-              </a:rPr>
-              <a:t>    } </a:t>
-            </a:r>
-          </a:p>
-          <a:p>
-            <a:pPr marL="0" indent="0">
-              <a:spcBef>
-                <a:spcPts val="0"/>
-              </a:spcBef>
-              <a:buNone/>
-            </a:pPr>
-            <a:r>
-              <a:rPr lang="en-GB" sz="1600" b="0" dirty="0">
-                <a:solidFill>
-                  <a:srgbClr val="D4D4D4"/>
-                </a:solidFill>
-                <a:effectLst/>
-                <a:latin typeface="Consolas" panose="020B0609020204030204" pitchFamily="49" charset="0"/>
-              </a:rPr>
-              <a:t>} </a:t>
-            </a:r>
-          </a:p>
-        </p:txBody>
-      </p:sp>
-      <p:sp>
-        <p:nvSpPr>
-          <p:cNvPr id="6" name="Content Placeholder 2">
-            <a:extLst>
-              <a:ext uri="{FF2B5EF4-FFF2-40B4-BE49-F238E27FC236}">
-                <a16:creationId xmlns:a16="http://schemas.microsoft.com/office/drawing/2014/main" id="{8ACCE29D-E9FE-40B6-B73B-200A616A1980}"/>
-              </a:ext>
-            </a:extLst>
-          </p:cNvPr>
-          <p:cNvSpPr txBox="1">
-            <a:spLocks/>
-          </p:cNvSpPr>
-          <p:nvPr/>
-        </p:nvSpPr>
-        <p:spPr>
-          <a:xfrm>
-            <a:off x="1141414" y="1847274"/>
-            <a:ext cx="5407432" cy="1096223"/>
-          </a:xfrm>
-          <a:prstGeom prst="rect">
-            <a:avLst/>
-          </a:prstGeom>
-        </p:spPr>
-        <p:txBody>
-          <a:bodyPr vert="horz" lIns="91440" tIns="45720" rIns="91440" bIns="45720" rtlCol="0">
-            <a:normAutofit/>
-          </a:bodyPr>
-          <a:lstStyle>
-            <a:lvl1pPr marL="228600" indent="-228600" algn="l" defTabSz="914400" rtl="0" eaLnBrk="1" latinLnBrk="0" hangingPunct="1">
-              <a:lnSpc>
-                <a:spcPct val="120000"/>
-              </a:lnSpc>
-              <a:spcBef>
-                <a:spcPts val="1000"/>
-              </a:spcBef>
-              <a:buSzPct val="125000"/>
-              <a:buFont typeface="Arial" panose="020B0604020202020204" pitchFamily="34" charset="0"/>
-              <a:buChar char="•"/>
-              <a:defRPr sz="2400" kern="1200">
-                <a:solidFill>
-                  <a:schemeClr val="tx1"/>
-                </a:solidFill>
-                <a:latin typeface="+mn-lt"/>
-                <a:ea typeface="+mn-ea"/>
-                <a:cs typeface="+mn-cs"/>
-              </a:defRPr>
-            </a:lvl1pPr>
-            <a:lvl2pPr marL="685800" indent="-228600" algn="l" defTabSz="914400" rtl="0" eaLnBrk="1" latinLnBrk="0" hangingPunct="1">
-              <a:lnSpc>
-                <a:spcPct val="120000"/>
-              </a:lnSpc>
-              <a:spcBef>
-                <a:spcPts val="500"/>
-              </a:spcBef>
-              <a:buSzPct val="125000"/>
-              <a:buFont typeface="Arial" panose="020B0604020202020204" pitchFamily="34" charset="0"/>
-              <a:buChar char="•"/>
-              <a:defRPr sz="2000" kern="1200">
-                <a:solidFill>
-                  <a:schemeClr val="tx1"/>
-                </a:solidFill>
-                <a:latin typeface="+mn-lt"/>
-                <a:ea typeface="+mn-ea"/>
-                <a:cs typeface="+mn-cs"/>
-              </a:defRPr>
-            </a:lvl2pPr>
-            <a:lvl3pPr marL="1143000" indent="-228600" algn="l" defTabSz="914400" rtl="0" eaLnBrk="1" latinLnBrk="0" hangingPunct="1">
-              <a:lnSpc>
-                <a:spcPct val="120000"/>
-              </a:lnSpc>
-              <a:spcBef>
-                <a:spcPts val="500"/>
-              </a:spcBef>
-              <a:buSzPct val="125000"/>
-              <a:buFont typeface="Arial" panose="020B0604020202020204" pitchFamily="34" charset="0"/>
-              <a:buChar char="•"/>
-              <a:defRPr sz="1800" kern="1200">
-                <a:solidFill>
-                  <a:schemeClr val="tx1"/>
-                </a:solidFill>
-                <a:latin typeface="+mn-lt"/>
-                <a:ea typeface="+mn-ea"/>
-                <a:cs typeface="+mn-cs"/>
-              </a:defRPr>
-            </a:lvl3pPr>
-            <a:lvl4pPr marL="1600200" indent="-228600" algn="l" defTabSz="914400" rtl="0" eaLnBrk="1" latinLnBrk="0" hangingPunct="1">
-              <a:lnSpc>
-                <a:spcPct val="120000"/>
-              </a:lnSpc>
-              <a:spcBef>
-                <a:spcPts val="500"/>
-              </a:spcBef>
-              <a:buSzPct val="125000"/>
-              <a:buFont typeface="Arial" panose="020B0604020202020204" pitchFamily="34" charset="0"/>
-              <a:buChar char="•"/>
-              <a:defRPr sz="1600" kern="1200">
-                <a:solidFill>
-                  <a:schemeClr val="tx1"/>
-                </a:solidFill>
-                <a:latin typeface="+mn-lt"/>
-                <a:ea typeface="+mn-ea"/>
-                <a:cs typeface="+mn-cs"/>
-              </a:defRPr>
-            </a:lvl4pPr>
-            <a:lvl5pPr marL="2057400" indent="-228600" algn="l" defTabSz="914400" rtl="0" eaLnBrk="1" latinLnBrk="0" hangingPunct="1">
-              <a:lnSpc>
-                <a:spcPct val="120000"/>
-              </a:lnSpc>
-              <a:spcBef>
-                <a:spcPts val="500"/>
-              </a:spcBef>
-              <a:buSzPct val="125000"/>
-              <a:buFont typeface="Arial" panose="020B0604020202020204" pitchFamily="34" charset="0"/>
-              <a:buChar char="•"/>
-              <a:defRPr sz="1600" kern="1200">
-                <a:solidFill>
-                  <a:schemeClr val="tx1"/>
-                </a:solidFill>
-                <a:latin typeface="+mn-lt"/>
-                <a:ea typeface="+mn-ea"/>
-                <a:cs typeface="+mn-cs"/>
-              </a:defRPr>
-            </a:lvl5pPr>
-            <a:lvl6pPr marL="2514600" indent="-228600" algn="l" defTabSz="914400" rtl="0" eaLnBrk="1" latinLnBrk="0" hangingPunct="1">
-              <a:lnSpc>
-                <a:spcPct val="120000"/>
-              </a:lnSpc>
-              <a:spcBef>
-                <a:spcPts val="500"/>
-              </a:spcBef>
-              <a:buSzPct val="125000"/>
-              <a:buFont typeface="Arial" panose="020B0604020202020204" pitchFamily="34" charset="0"/>
-              <a:buChar char="•"/>
-              <a:defRPr sz="1400" kern="1200">
-                <a:solidFill>
-                  <a:schemeClr val="tx1"/>
-                </a:solidFill>
-                <a:latin typeface="+mn-lt"/>
-                <a:ea typeface="+mn-ea"/>
-                <a:cs typeface="+mn-cs"/>
-              </a:defRPr>
-            </a:lvl6pPr>
-            <a:lvl7pPr marL="2971800" indent="-228600" algn="l" defTabSz="914400" rtl="0" eaLnBrk="1" latinLnBrk="0" hangingPunct="1">
-              <a:lnSpc>
-                <a:spcPct val="120000"/>
-              </a:lnSpc>
-              <a:spcBef>
-                <a:spcPts val="500"/>
-              </a:spcBef>
-              <a:buSzPct val="125000"/>
-              <a:buFont typeface="Arial" panose="020B0604020202020204" pitchFamily="34" charset="0"/>
-              <a:buChar char="•"/>
-              <a:defRPr sz="1400" kern="1200">
-                <a:solidFill>
-                  <a:schemeClr val="tx1"/>
-                </a:solidFill>
-                <a:latin typeface="+mn-lt"/>
-                <a:ea typeface="+mn-ea"/>
-                <a:cs typeface="+mn-cs"/>
-              </a:defRPr>
-            </a:lvl7pPr>
-            <a:lvl8pPr marL="3429000" indent="-228600" algn="l" defTabSz="914400" rtl="0" eaLnBrk="1" latinLnBrk="0" hangingPunct="1">
-              <a:lnSpc>
-                <a:spcPct val="120000"/>
-              </a:lnSpc>
-              <a:spcBef>
-                <a:spcPts val="500"/>
-              </a:spcBef>
-              <a:buSzPct val="125000"/>
-              <a:buFont typeface="Arial" panose="020B0604020202020204" pitchFamily="34" charset="0"/>
-              <a:buChar char="•"/>
-              <a:defRPr sz="1400" kern="1200">
-                <a:solidFill>
-                  <a:schemeClr val="tx1"/>
-                </a:solidFill>
-                <a:latin typeface="+mn-lt"/>
-                <a:ea typeface="+mn-ea"/>
-                <a:cs typeface="+mn-cs"/>
-              </a:defRPr>
-            </a:lvl8pPr>
-            <a:lvl9pPr marL="3886200" indent="-228600" algn="l" defTabSz="914400" rtl="0" eaLnBrk="1" latinLnBrk="0" hangingPunct="1">
-              <a:lnSpc>
-                <a:spcPct val="120000"/>
-              </a:lnSpc>
-              <a:spcBef>
-                <a:spcPts val="500"/>
-              </a:spcBef>
-              <a:buSzPct val="125000"/>
-              <a:buFont typeface="Arial" panose="020B0604020202020204" pitchFamily="34" charset="0"/>
-              <a:buChar char="•"/>
-              <a:defRPr sz="1400" kern="1200">
-                <a:solidFill>
-                  <a:schemeClr val="tx1"/>
-                </a:solidFill>
-                <a:latin typeface="+mn-lt"/>
-                <a:ea typeface="+mn-ea"/>
-                <a:cs typeface="+mn-cs"/>
-              </a:defRPr>
-            </a:lvl9pPr>
-          </a:lstStyle>
-          <a:p>
-            <a:pPr marL="0" indent="0" algn="just">
-              <a:buFont typeface="Arial" panose="020B0604020202020204" pitchFamily="34" charset="0"/>
-              <a:buNone/>
-            </a:pPr>
-            <a:r>
-              <a:rPr lang="ru-RU" sz="2300" dirty="0"/>
-              <a:t>Находим </a:t>
-            </a:r>
-            <a:r>
-              <a:rPr lang="ru-RU" sz="2300" dirty="0">
-                <a:solidFill>
-                  <a:schemeClr val="accent1"/>
-                </a:solidFill>
-              </a:rPr>
-              <a:t>наименьший элемент</a:t>
-            </a:r>
-            <a:r>
-              <a:rPr lang="ru-RU" sz="2300" dirty="0"/>
-              <a:t>, меняем его местами </a:t>
-            </a:r>
-            <a:r>
-              <a:rPr lang="ru-RU" sz="2300" dirty="0">
-                <a:solidFill>
-                  <a:schemeClr val="accent1"/>
-                </a:solidFill>
-              </a:rPr>
-              <a:t>с первым элементом</a:t>
-            </a:r>
-            <a:r>
-              <a:rPr lang="ru-RU" sz="2300" dirty="0"/>
-              <a:t>.</a:t>
-            </a:r>
-            <a:endParaRPr lang="en-US" sz="2300" dirty="0"/>
-          </a:p>
-        </p:txBody>
-      </p:sp>
-      <p:sp>
-        <p:nvSpPr>
-          <p:cNvPr id="8" name="Content Placeholder 2">
-            <a:extLst>
-              <a:ext uri="{FF2B5EF4-FFF2-40B4-BE49-F238E27FC236}">
-                <a16:creationId xmlns:a16="http://schemas.microsoft.com/office/drawing/2014/main" id="{CF0301EC-F249-4199-94BC-F2C07E921FFF}"/>
-              </a:ext>
-            </a:extLst>
-          </p:cNvPr>
-          <p:cNvSpPr txBox="1">
-            <a:spLocks/>
-          </p:cNvSpPr>
-          <p:nvPr/>
-        </p:nvSpPr>
-        <p:spPr>
-          <a:xfrm>
-            <a:off x="1141414" y="5020282"/>
-            <a:ext cx="5407432" cy="1096223"/>
-          </a:xfrm>
-          <a:prstGeom prst="rect">
-            <a:avLst/>
-          </a:prstGeom>
-        </p:spPr>
-        <p:txBody>
-          <a:bodyPr vert="horz" lIns="91440" tIns="45720" rIns="91440" bIns="45720" rtlCol="0">
-            <a:normAutofit fontScale="92500" lnSpcReduction="20000"/>
-          </a:bodyPr>
-          <a:lstStyle>
-            <a:lvl1pPr marL="228600" indent="-228600" algn="l" defTabSz="914400" rtl="0" eaLnBrk="1" latinLnBrk="0" hangingPunct="1">
-              <a:lnSpc>
-                <a:spcPct val="120000"/>
-              </a:lnSpc>
-              <a:spcBef>
-                <a:spcPts val="1000"/>
-              </a:spcBef>
-              <a:buSzPct val="125000"/>
-              <a:buFont typeface="Arial" panose="020B0604020202020204" pitchFamily="34" charset="0"/>
-              <a:buChar char="•"/>
-              <a:defRPr sz="2400" kern="1200">
-                <a:solidFill>
-                  <a:schemeClr val="tx1"/>
-                </a:solidFill>
-                <a:latin typeface="+mn-lt"/>
-                <a:ea typeface="+mn-ea"/>
-                <a:cs typeface="+mn-cs"/>
-              </a:defRPr>
-            </a:lvl1pPr>
-            <a:lvl2pPr marL="685800" indent="-228600" algn="l" defTabSz="914400" rtl="0" eaLnBrk="1" latinLnBrk="0" hangingPunct="1">
-              <a:lnSpc>
-                <a:spcPct val="120000"/>
-              </a:lnSpc>
-              <a:spcBef>
-                <a:spcPts val="500"/>
-              </a:spcBef>
-              <a:buSzPct val="125000"/>
-              <a:buFont typeface="Arial" panose="020B0604020202020204" pitchFamily="34" charset="0"/>
-              <a:buChar char="•"/>
-              <a:defRPr sz="2000" kern="1200">
-                <a:solidFill>
-                  <a:schemeClr val="tx1"/>
-                </a:solidFill>
-                <a:latin typeface="+mn-lt"/>
-                <a:ea typeface="+mn-ea"/>
-                <a:cs typeface="+mn-cs"/>
-              </a:defRPr>
-            </a:lvl2pPr>
-            <a:lvl3pPr marL="1143000" indent="-228600" algn="l" defTabSz="914400" rtl="0" eaLnBrk="1" latinLnBrk="0" hangingPunct="1">
-              <a:lnSpc>
-                <a:spcPct val="120000"/>
-              </a:lnSpc>
-              <a:spcBef>
-                <a:spcPts val="500"/>
-              </a:spcBef>
-              <a:buSzPct val="125000"/>
-              <a:buFont typeface="Arial" panose="020B0604020202020204" pitchFamily="34" charset="0"/>
-              <a:buChar char="•"/>
-              <a:defRPr sz="1800" kern="1200">
-                <a:solidFill>
-                  <a:schemeClr val="tx1"/>
-                </a:solidFill>
-                <a:latin typeface="+mn-lt"/>
-                <a:ea typeface="+mn-ea"/>
-                <a:cs typeface="+mn-cs"/>
-              </a:defRPr>
-            </a:lvl3pPr>
-            <a:lvl4pPr marL="1600200" indent="-228600" algn="l" defTabSz="914400" rtl="0" eaLnBrk="1" latinLnBrk="0" hangingPunct="1">
-              <a:lnSpc>
-                <a:spcPct val="120000"/>
-              </a:lnSpc>
-              <a:spcBef>
-                <a:spcPts val="500"/>
-              </a:spcBef>
-              <a:buSzPct val="125000"/>
-              <a:buFont typeface="Arial" panose="020B0604020202020204" pitchFamily="34" charset="0"/>
-              <a:buChar char="•"/>
-              <a:defRPr sz="1600" kern="1200">
-                <a:solidFill>
-                  <a:schemeClr val="tx1"/>
-                </a:solidFill>
-                <a:latin typeface="+mn-lt"/>
-                <a:ea typeface="+mn-ea"/>
-                <a:cs typeface="+mn-cs"/>
-              </a:defRPr>
-            </a:lvl4pPr>
-            <a:lvl5pPr marL="2057400" indent="-228600" algn="l" defTabSz="914400" rtl="0" eaLnBrk="1" latinLnBrk="0" hangingPunct="1">
-              <a:lnSpc>
-                <a:spcPct val="120000"/>
-              </a:lnSpc>
-              <a:spcBef>
-                <a:spcPts val="500"/>
-              </a:spcBef>
-              <a:buSzPct val="125000"/>
-              <a:buFont typeface="Arial" panose="020B0604020202020204" pitchFamily="34" charset="0"/>
-              <a:buChar char="•"/>
-              <a:defRPr sz="1600" kern="1200">
-                <a:solidFill>
-                  <a:schemeClr val="tx1"/>
-                </a:solidFill>
-                <a:latin typeface="+mn-lt"/>
-                <a:ea typeface="+mn-ea"/>
-                <a:cs typeface="+mn-cs"/>
-              </a:defRPr>
-            </a:lvl5pPr>
-            <a:lvl6pPr marL="2514600" indent="-228600" algn="l" defTabSz="914400" rtl="0" eaLnBrk="1" latinLnBrk="0" hangingPunct="1">
-              <a:lnSpc>
-                <a:spcPct val="120000"/>
-              </a:lnSpc>
-              <a:spcBef>
-                <a:spcPts val="500"/>
-              </a:spcBef>
-              <a:buSzPct val="125000"/>
-              <a:buFont typeface="Arial" panose="020B0604020202020204" pitchFamily="34" charset="0"/>
-              <a:buChar char="•"/>
-              <a:defRPr sz="1400" kern="1200">
-                <a:solidFill>
-                  <a:schemeClr val="tx1"/>
-                </a:solidFill>
-                <a:latin typeface="+mn-lt"/>
-                <a:ea typeface="+mn-ea"/>
-                <a:cs typeface="+mn-cs"/>
-              </a:defRPr>
-            </a:lvl6pPr>
-            <a:lvl7pPr marL="2971800" indent="-228600" algn="l" defTabSz="914400" rtl="0" eaLnBrk="1" latinLnBrk="0" hangingPunct="1">
-              <a:lnSpc>
-                <a:spcPct val="120000"/>
-              </a:lnSpc>
-              <a:spcBef>
-                <a:spcPts val="500"/>
-              </a:spcBef>
-              <a:buSzPct val="125000"/>
-              <a:buFont typeface="Arial" panose="020B0604020202020204" pitchFamily="34" charset="0"/>
-              <a:buChar char="•"/>
-              <a:defRPr sz="1400" kern="1200">
-                <a:solidFill>
-                  <a:schemeClr val="tx1"/>
-                </a:solidFill>
-                <a:latin typeface="+mn-lt"/>
-                <a:ea typeface="+mn-ea"/>
-                <a:cs typeface="+mn-cs"/>
-              </a:defRPr>
-            </a:lvl7pPr>
-            <a:lvl8pPr marL="3429000" indent="-228600" algn="l" defTabSz="914400" rtl="0" eaLnBrk="1" latinLnBrk="0" hangingPunct="1">
-              <a:lnSpc>
-                <a:spcPct val="120000"/>
-              </a:lnSpc>
-              <a:spcBef>
-                <a:spcPts val="500"/>
-              </a:spcBef>
-              <a:buSzPct val="125000"/>
-              <a:buFont typeface="Arial" panose="020B0604020202020204" pitchFamily="34" charset="0"/>
-              <a:buChar char="•"/>
-              <a:defRPr sz="1400" kern="1200">
-                <a:solidFill>
-                  <a:schemeClr val="tx1"/>
-                </a:solidFill>
-                <a:latin typeface="+mn-lt"/>
-                <a:ea typeface="+mn-ea"/>
-                <a:cs typeface="+mn-cs"/>
-              </a:defRPr>
-            </a:lvl8pPr>
-            <a:lvl9pPr marL="3886200" indent="-228600" algn="l" defTabSz="914400" rtl="0" eaLnBrk="1" latinLnBrk="0" hangingPunct="1">
-              <a:lnSpc>
-                <a:spcPct val="120000"/>
-              </a:lnSpc>
-              <a:spcBef>
-                <a:spcPts val="500"/>
-              </a:spcBef>
-              <a:buSzPct val="125000"/>
-              <a:buFont typeface="Arial" panose="020B0604020202020204" pitchFamily="34" charset="0"/>
-              <a:buChar char="•"/>
-              <a:defRPr sz="1400" kern="1200">
-                <a:solidFill>
-                  <a:schemeClr val="tx1"/>
-                </a:solidFill>
-                <a:latin typeface="+mn-lt"/>
-                <a:ea typeface="+mn-ea"/>
-                <a:cs typeface="+mn-cs"/>
-              </a:defRPr>
-            </a:lvl9pPr>
-          </a:lstStyle>
-          <a:p>
-            <a:pPr marL="0" indent="0" algn="just">
-              <a:buFont typeface="Arial" panose="020B0604020202020204" pitchFamily="34" charset="0"/>
-              <a:buNone/>
-            </a:pPr>
-            <a:r>
-              <a:rPr lang="ru-RU" sz="2300" dirty="0"/>
-              <a:t>Таким образом для </a:t>
-            </a:r>
-            <a:r>
-              <a:rPr lang="ru-RU" sz="2300" dirty="0">
-                <a:solidFill>
-                  <a:schemeClr val="accent2"/>
-                </a:solidFill>
-              </a:rPr>
-              <a:t>сортировки</a:t>
-            </a:r>
-            <a:r>
-              <a:rPr lang="ru-RU" sz="2300" dirty="0"/>
-              <a:t> массива нам необходимо </a:t>
-            </a:r>
-            <a:r>
-              <a:rPr lang="ru-RU" sz="2300" dirty="0">
-                <a:solidFill>
-                  <a:schemeClr val="accent1"/>
-                </a:solidFill>
-              </a:rPr>
-              <a:t>обойти его 8 раз</a:t>
-            </a:r>
-            <a:r>
-              <a:rPr lang="ru-RU" sz="2300" dirty="0"/>
-              <a:t>, при этом придется </a:t>
-            </a:r>
-            <a:r>
-              <a:rPr lang="ru-RU" sz="2300" dirty="0">
-                <a:solidFill>
-                  <a:schemeClr val="accent1"/>
-                </a:solidFill>
-              </a:rPr>
-              <a:t>перебрать</a:t>
-            </a:r>
-            <a:r>
-              <a:rPr lang="ru-RU" sz="2300" dirty="0"/>
-              <a:t> </a:t>
-            </a:r>
-            <a:r>
-              <a:rPr lang="ru-RU" sz="2300" dirty="0">
-                <a:solidFill>
-                  <a:schemeClr val="accent1"/>
-                </a:solidFill>
-              </a:rPr>
-              <a:t>все элементы массива</a:t>
-            </a:r>
-            <a:r>
-              <a:rPr lang="ru-RU" sz="2300" dirty="0"/>
-              <a:t>.</a:t>
-            </a:r>
-          </a:p>
-        </p:txBody>
-      </p:sp>
-    </p:spTree>
-    <p:extLst>
-      <p:ext uri="{BB962C8B-B14F-4D97-AF65-F5344CB8AC3E}">
-        <p14:creationId xmlns:p14="http://schemas.microsoft.com/office/powerpoint/2010/main" val="1969772508"/>
-      </p:ext>
-    </p:extLst>
-  </p:cSld>
-  <p:clrMapOvr>
-    <a:masterClrMapping/>
-  </p:clrMapOvr>
-</p:sld>
-</file>
-
-<file path=ppt/slides/slide11.xml><?xml version="1.0" encoding="utf-8"?>
-<p:sld xmlns:a="http://schemas.openxmlformats.org/drawingml/2006/main" xmlns:r="http://schemas.openxmlformats.org/officeDocument/2006/relationships" xmlns:p="http://schemas.openxmlformats.org/presentationml/2006/main">
-  <p:cSld>
-    <p:bg>
-      <p:bgPr>
-        <a:blipFill>
-          <a:blip r:embed="rId3">
-            <a:duotone>
-              <a:schemeClr val="bg2">
-                <a:shade val="48000"/>
-                <a:hueMod val="106000"/>
-                <a:satMod val="140000"/>
-                <a:lumMod val="42000"/>
-              </a:schemeClr>
-              <a:schemeClr val="bg2">
-                <a:tint val="98000"/>
-                <a:hueMod val="92000"/>
-                <a:satMod val="220000"/>
-                <a:lumMod val="90000"/>
-              </a:schemeClr>
-            </a:duotone>
-            <a:extLst>
-              <a:ext uri="{BEBA8EAE-BF5A-486C-A8C5-ECC9F3942E4B}">
-                <a14:imgProps xmlns:a14="http://schemas.microsoft.com/office/drawing/2010/main">
-                  <a14:imgLayer r:embed="rId4">
-                    <a14:imgEffect>
-                      <a14:brightnessContrast bright="-100000"/>
-                    </a14:imgEffect>
-                  </a14:imgLayer>
-                </a14:imgProps>
-              </a:ext>
-            </a:extLst>
-          </a:blip>
-          <a:stretch/>
-        </a:blipFill>
-        <a:effectLst/>
-      </p:bgPr>
-    </p:bg>
-    <p:spTree>
-      <p:nvGrpSpPr>
-        <p:cNvPr id="1" name=""/>
-        <p:cNvGrpSpPr/>
-        <p:nvPr/>
-      </p:nvGrpSpPr>
-      <p:grpSpPr>
-        <a:xfrm>
-          <a:off x="0" y="0"/>
-          <a:ext cx="0" cy="0"/>
-          <a:chOff x="0" y="0"/>
-          <a:chExt cx="0" cy="0"/>
-        </a:xfrm>
-      </p:grpSpPr>
       <p:sp>
         <p:nvSpPr>
           <p:cNvPr id="2" name="Title 1">
@@ -19793,6 +18027,1772 @@
     <p:extLst>
       <p:ext uri="{BB962C8B-B14F-4D97-AF65-F5344CB8AC3E}">
         <p14:creationId xmlns:p14="http://schemas.microsoft.com/office/powerpoint/2010/main" val="2122639549"/>
+      </p:ext>
+    </p:extLst>
+  </p:cSld>
+  <p:clrMapOvr>
+    <a:masterClrMapping/>
+  </p:clrMapOvr>
+</p:sld>
+</file>
+
+<file path=ppt/slides/slide11.xml><?xml version="1.0" encoding="utf-8"?>
+<p:sld xmlns:a="http://schemas.openxmlformats.org/drawingml/2006/main" xmlns:r="http://schemas.openxmlformats.org/officeDocument/2006/relationships" xmlns:p="http://schemas.openxmlformats.org/presentationml/2006/main">
+  <p:cSld>
+    <p:bg>
+      <p:bgPr>
+        <a:blipFill>
+          <a:blip r:embed="rId3">
+            <a:duotone>
+              <a:schemeClr val="bg2">
+                <a:shade val="48000"/>
+                <a:hueMod val="106000"/>
+                <a:satMod val="140000"/>
+                <a:lumMod val="42000"/>
+              </a:schemeClr>
+              <a:schemeClr val="bg2">
+                <a:tint val="98000"/>
+                <a:hueMod val="92000"/>
+                <a:satMod val="220000"/>
+                <a:lumMod val="90000"/>
+              </a:schemeClr>
+            </a:duotone>
+            <a:extLst>
+              <a:ext uri="{BEBA8EAE-BF5A-486C-A8C5-ECC9F3942E4B}">
+                <a14:imgProps xmlns:a14="http://schemas.microsoft.com/office/drawing/2010/main">
+                  <a14:imgLayer r:embed="rId4">
+                    <a14:imgEffect>
+                      <a14:brightnessContrast bright="-100000"/>
+                    </a14:imgEffect>
+                  </a14:imgLayer>
+                </a14:imgProps>
+              </a:ext>
+            </a:extLst>
+          </a:blip>
+          <a:stretch/>
+        </a:blipFill>
+        <a:effectLst/>
+      </p:bgPr>
+    </p:bg>
+    <p:spTree>
+      <p:nvGrpSpPr>
+        <p:cNvPr id="1" name=""/>
+        <p:cNvGrpSpPr/>
+        <p:nvPr/>
+      </p:nvGrpSpPr>
+      <p:grpSpPr>
+        <a:xfrm>
+          <a:off x="0" y="0"/>
+          <a:ext cx="0" cy="0"/>
+          <a:chOff x="0" y="0"/>
+          <a:chExt cx="0" cy="0"/>
+        </a:xfrm>
+      </p:grpSpPr>
+      <p:pic>
+        <p:nvPicPr>
+          <p:cNvPr id="10" name="Picture 9">
+            <a:extLst>
+              <a:ext uri="{FF2B5EF4-FFF2-40B4-BE49-F238E27FC236}">
+                <a16:creationId xmlns:a16="http://schemas.microsoft.com/office/drawing/2014/main" id="{6E9C438A-ABFB-4F6B-84F1-BBB7FAEA9FA7}"/>
+              </a:ext>
+            </a:extLst>
+          </p:cNvPr>
+          <p:cNvPicPr>
+            <a:picLocks noChangeAspect="1"/>
+          </p:cNvPicPr>
+          <p:nvPr/>
+        </p:nvPicPr>
+        <p:blipFill>
+          <a:blip r:embed="rId5">
+            <a:extLst>
+              <a:ext uri="{28A0092B-C50C-407E-A947-70E740481C1C}">
+                <a14:useLocalDpi xmlns:a14="http://schemas.microsoft.com/office/drawing/2010/main" val="0"/>
+              </a:ext>
+            </a:extLst>
+          </a:blip>
+          <a:stretch>
+            <a:fillRect/>
+          </a:stretch>
+        </p:blipFill>
+        <p:spPr>
+          <a:xfrm>
+            <a:off x="1069164" y="2898560"/>
+            <a:ext cx="5479682" cy="1968212"/>
+          </a:xfrm>
+          <a:prstGeom prst="rect">
+            <a:avLst/>
+          </a:prstGeom>
+        </p:spPr>
+      </p:pic>
+      <p:sp>
+        <p:nvSpPr>
+          <p:cNvPr id="2" name="Title 1">
+            <a:extLst>
+              <a:ext uri="{FF2B5EF4-FFF2-40B4-BE49-F238E27FC236}">
+                <a16:creationId xmlns:a16="http://schemas.microsoft.com/office/drawing/2014/main" id="{BDBA0D75-288E-4498-BEEE-F0BE2C70965D}"/>
+              </a:ext>
+            </a:extLst>
+          </p:cNvPr>
+          <p:cNvSpPr>
+            <a:spLocks noGrp="1"/>
+          </p:cNvSpPr>
+          <p:nvPr>
+            <p:ph type="title"/>
+          </p:nvPr>
+        </p:nvSpPr>
+        <p:spPr>
+          <a:xfrm>
+            <a:off x="1141413" y="359149"/>
+            <a:ext cx="9905998" cy="1478570"/>
+          </a:xfrm>
+        </p:spPr>
+        <p:txBody>
+          <a:bodyPr/>
+          <a:lstStyle/>
+          <a:p>
+            <a:r>
+              <a:rPr lang="ru-RU" dirty="0"/>
+              <a:t>Сортировка выбором</a:t>
+            </a:r>
+          </a:p>
+        </p:txBody>
+      </p:sp>
+      <p:sp>
+        <p:nvSpPr>
+          <p:cNvPr id="3" name="Content Placeholder 2">
+            <a:extLst>
+              <a:ext uri="{FF2B5EF4-FFF2-40B4-BE49-F238E27FC236}">
+                <a16:creationId xmlns:a16="http://schemas.microsoft.com/office/drawing/2014/main" id="{2EF2176F-A672-4FB7-B9BC-3FCDB153BE3D}"/>
+              </a:ext>
+            </a:extLst>
+          </p:cNvPr>
+          <p:cNvSpPr>
+            <a:spLocks noGrp="1"/>
+          </p:cNvSpPr>
+          <p:nvPr>
+            <p:ph idx="1"/>
+          </p:nvPr>
+        </p:nvSpPr>
+        <p:spPr>
+          <a:xfrm>
+            <a:off x="6810694" y="1837719"/>
+            <a:ext cx="5381306" cy="4392208"/>
+          </a:xfrm>
+        </p:spPr>
+        <p:txBody>
+          <a:bodyPr>
+            <a:normAutofit fontScale="92500" lnSpcReduction="20000"/>
+          </a:bodyPr>
+          <a:lstStyle/>
+          <a:p>
+            <a:pPr marL="0" indent="0">
+              <a:spcBef>
+                <a:spcPts val="0"/>
+              </a:spcBef>
+              <a:buNone/>
+            </a:pPr>
+            <a:r>
+              <a:rPr lang="en-GB" sz="1600" b="0" dirty="0">
+                <a:solidFill>
+                  <a:srgbClr val="569CD6"/>
+                </a:solidFill>
+                <a:effectLst/>
+                <a:latin typeface="Consolas" panose="020B0609020204030204" pitchFamily="49" charset="0"/>
+              </a:rPr>
+              <a:t>void</a:t>
+            </a:r>
+            <a:r>
+              <a:rPr lang="en-GB" sz="1600" b="0" dirty="0">
+                <a:solidFill>
+                  <a:srgbClr val="D4D4D4"/>
+                </a:solidFill>
+                <a:effectLst/>
+                <a:latin typeface="Consolas" panose="020B0609020204030204" pitchFamily="49" charset="0"/>
+              </a:rPr>
+              <a:t> </a:t>
+            </a:r>
+            <a:r>
+              <a:rPr lang="en-GB" sz="1600" b="0" dirty="0" err="1">
+                <a:solidFill>
+                  <a:srgbClr val="DCDCAA"/>
+                </a:solidFill>
+                <a:effectLst/>
+                <a:latin typeface="Consolas" panose="020B0609020204030204" pitchFamily="49" charset="0"/>
+              </a:rPr>
+              <a:t>selectionSort</a:t>
+            </a:r>
+            <a:r>
+              <a:rPr lang="en-GB" sz="1600" b="0" dirty="0">
+                <a:solidFill>
+                  <a:srgbClr val="D4D4D4"/>
+                </a:solidFill>
+                <a:effectLst/>
+                <a:latin typeface="Consolas" panose="020B0609020204030204" pitchFamily="49" charset="0"/>
+              </a:rPr>
+              <a:t>(</a:t>
+            </a:r>
+            <a:r>
+              <a:rPr lang="en-GB" sz="1600" b="0" dirty="0">
+                <a:solidFill>
+                  <a:srgbClr val="569CD6"/>
+                </a:solidFill>
+                <a:effectLst/>
+                <a:latin typeface="Consolas" panose="020B0609020204030204" pitchFamily="49" charset="0"/>
+              </a:rPr>
+              <a:t>int</a:t>
+            </a:r>
+            <a:r>
+              <a:rPr lang="en-GB" sz="1600" b="0" dirty="0">
+                <a:solidFill>
+                  <a:srgbClr val="D4D4D4"/>
+                </a:solidFill>
+                <a:effectLst/>
+                <a:latin typeface="Consolas" panose="020B0609020204030204" pitchFamily="49" charset="0"/>
+              </a:rPr>
+              <a:t> </a:t>
+            </a:r>
+            <a:r>
+              <a:rPr lang="en-GB" sz="1600" b="0" dirty="0">
+                <a:solidFill>
+                  <a:srgbClr val="9CDCFE"/>
+                </a:solidFill>
+                <a:effectLst/>
+                <a:latin typeface="Consolas" panose="020B0609020204030204" pitchFamily="49" charset="0"/>
+              </a:rPr>
+              <a:t>array</a:t>
+            </a:r>
+            <a:r>
+              <a:rPr lang="en-GB" sz="1600" b="0" dirty="0">
+                <a:solidFill>
+                  <a:srgbClr val="D4D4D4"/>
+                </a:solidFill>
+                <a:effectLst/>
+                <a:latin typeface="Consolas" panose="020B0609020204030204" pitchFamily="49" charset="0"/>
+              </a:rPr>
+              <a:t>[], </a:t>
+            </a:r>
+            <a:r>
+              <a:rPr lang="en-GB" sz="1600" b="0" dirty="0">
+                <a:solidFill>
+                  <a:srgbClr val="569CD6"/>
+                </a:solidFill>
+                <a:effectLst/>
+                <a:latin typeface="Consolas" panose="020B0609020204030204" pitchFamily="49" charset="0"/>
+              </a:rPr>
+              <a:t>int</a:t>
+            </a:r>
+            <a:r>
+              <a:rPr lang="en-GB" sz="1600" b="0" dirty="0">
+                <a:solidFill>
+                  <a:srgbClr val="D4D4D4"/>
+                </a:solidFill>
+                <a:effectLst/>
+                <a:latin typeface="Consolas" panose="020B0609020204030204" pitchFamily="49" charset="0"/>
+              </a:rPr>
+              <a:t> </a:t>
+            </a:r>
+            <a:r>
+              <a:rPr lang="en-GB" sz="1600" b="0" dirty="0" err="1">
+                <a:solidFill>
+                  <a:srgbClr val="9CDCFE"/>
+                </a:solidFill>
+                <a:effectLst/>
+                <a:latin typeface="Consolas" panose="020B0609020204030204" pitchFamily="49" charset="0"/>
+              </a:rPr>
+              <a:t>arrayLen</a:t>
+            </a:r>
+            <a:r>
+              <a:rPr lang="en-GB" sz="1600" b="0" dirty="0">
+                <a:solidFill>
+                  <a:srgbClr val="D4D4D4"/>
+                </a:solidFill>
+                <a:effectLst/>
+                <a:latin typeface="Consolas" panose="020B0609020204030204" pitchFamily="49" charset="0"/>
+              </a:rPr>
+              <a:t>) </a:t>
+            </a:r>
+          </a:p>
+          <a:p>
+            <a:pPr marL="0" indent="0">
+              <a:spcBef>
+                <a:spcPts val="0"/>
+              </a:spcBef>
+              <a:buNone/>
+            </a:pPr>
+            <a:r>
+              <a:rPr lang="en-GB" sz="1600" b="0" dirty="0">
+                <a:solidFill>
+                  <a:srgbClr val="D4D4D4"/>
+                </a:solidFill>
+                <a:effectLst/>
+                <a:latin typeface="Consolas" panose="020B0609020204030204" pitchFamily="49" charset="0"/>
+              </a:rPr>
+              <a:t>{ </a:t>
+            </a:r>
+          </a:p>
+          <a:p>
+            <a:pPr marL="0" indent="0">
+              <a:spcBef>
+                <a:spcPts val="0"/>
+              </a:spcBef>
+              <a:buNone/>
+            </a:pPr>
+            <a:r>
+              <a:rPr lang="en-GB" sz="1600" b="0" dirty="0">
+                <a:solidFill>
+                  <a:srgbClr val="D4D4D4"/>
+                </a:solidFill>
+                <a:effectLst/>
+                <a:latin typeface="Consolas" panose="020B0609020204030204" pitchFamily="49" charset="0"/>
+              </a:rPr>
+              <a:t>    </a:t>
+            </a:r>
+            <a:r>
+              <a:rPr lang="en-GB" sz="1600" b="0" dirty="0">
+                <a:solidFill>
+                  <a:srgbClr val="569CD6"/>
+                </a:solidFill>
+                <a:effectLst/>
+                <a:latin typeface="Consolas" panose="020B0609020204030204" pitchFamily="49" charset="0"/>
+              </a:rPr>
+              <a:t>int</a:t>
+            </a:r>
+            <a:r>
+              <a:rPr lang="en-GB" sz="1600" b="0" dirty="0">
+                <a:solidFill>
+                  <a:srgbClr val="D4D4D4"/>
+                </a:solidFill>
+                <a:effectLst/>
+                <a:latin typeface="Consolas" panose="020B0609020204030204" pitchFamily="49" charset="0"/>
+              </a:rPr>
+              <a:t> </a:t>
+            </a:r>
+            <a:r>
+              <a:rPr lang="en-GB" sz="1600" b="0" dirty="0" err="1">
+                <a:solidFill>
+                  <a:srgbClr val="D4D4D4"/>
+                </a:solidFill>
+                <a:effectLst/>
+                <a:latin typeface="Consolas" panose="020B0609020204030204" pitchFamily="49" charset="0"/>
+              </a:rPr>
+              <a:t>minElementIndex</a:t>
+            </a:r>
+            <a:r>
+              <a:rPr lang="en-GB" sz="1600" b="0" dirty="0">
+                <a:solidFill>
+                  <a:srgbClr val="D4D4D4"/>
+                </a:solidFill>
+                <a:effectLst/>
+                <a:latin typeface="Consolas" panose="020B0609020204030204" pitchFamily="49" charset="0"/>
+              </a:rPr>
+              <a:t>, </a:t>
+            </a:r>
+            <a:r>
+              <a:rPr lang="en-GB" sz="1600" b="0" dirty="0" err="1">
+                <a:solidFill>
+                  <a:srgbClr val="D4D4D4"/>
+                </a:solidFill>
+                <a:effectLst/>
+                <a:latin typeface="Consolas" panose="020B0609020204030204" pitchFamily="49" charset="0"/>
+              </a:rPr>
+              <a:t>tempBuffer</a:t>
+            </a:r>
+            <a:r>
+              <a:rPr lang="en-GB" sz="1600" b="0" dirty="0">
+                <a:solidFill>
+                  <a:srgbClr val="D4D4D4"/>
+                </a:solidFill>
+                <a:effectLst/>
+                <a:latin typeface="Consolas" panose="020B0609020204030204" pitchFamily="49" charset="0"/>
+              </a:rPr>
+              <a:t>; </a:t>
+            </a:r>
+          </a:p>
+          <a:p>
+            <a:pPr marL="0" indent="0">
+              <a:spcBef>
+                <a:spcPts val="0"/>
+              </a:spcBef>
+              <a:buNone/>
+            </a:pPr>
+            <a:r>
+              <a:rPr lang="en-GB" sz="1600" b="0" dirty="0">
+                <a:solidFill>
+                  <a:srgbClr val="D4D4D4"/>
+                </a:solidFill>
+                <a:effectLst/>
+                <a:latin typeface="Consolas" panose="020B0609020204030204" pitchFamily="49" charset="0"/>
+              </a:rPr>
+              <a:t>  </a:t>
+            </a:r>
+          </a:p>
+          <a:p>
+            <a:pPr marL="0" indent="0">
+              <a:spcBef>
+                <a:spcPts val="0"/>
+              </a:spcBef>
+              <a:buNone/>
+            </a:pPr>
+            <a:r>
+              <a:rPr lang="en-GB" sz="1600" b="0" dirty="0">
+                <a:solidFill>
+                  <a:srgbClr val="D4D4D4"/>
+                </a:solidFill>
+                <a:effectLst/>
+                <a:latin typeface="Consolas" panose="020B0609020204030204" pitchFamily="49" charset="0"/>
+              </a:rPr>
+              <a:t>    </a:t>
+            </a:r>
+            <a:r>
+              <a:rPr lang="en-GB" sz="1600" b="0" dirty="0">
+                <a:solidFill>
+                  <a:srgbClr val="C586C0"/>
+                </a:solidFill>
+                <a:effectLst/>
+                <a:latin typeface="Consolas" panose="020B0609020204030204" pitchFamily="49" charset="0"/>
+              </a:rPr>
+              <a:t>for</a:t>
+            </a:r>
+            <a:r>
+              <a:rPr lang="en-GB" sz="1600" b="0" dirty="0">
+                <a:solidFill>
+                  <a:srgbClr val="D4D4D4"/>
+                </a:solidFill>
+                <a:effectLst/>
+                <a:latin typeface="Consolas" panose="020B0609020204030204" pitchFamily="49" charset="0"/>
+              </a:rPr>
+              <a:t> (</a:t>
+            </a:r>
+            <a:r>
+              <a:rPr lang="en-GB" sz="1600" b="0" dirty="0">
+                <a:solidFill>
+                  <a:srgbClr val="569CD6"/>
+                </a:solidFill>
+                <a:effectLst/>
+                <a:latin typeface="Consolas" panose="020B0609020204030204" pitchFamily="49" charset="0"/>
+              </a:rPr>
+              <a:t>int</a:t>
+            </a:r>
+            <a:r>
+              <a:rPr lang="en-GB" sz="1600" b="0" dirty="0">
+                <a:solidFill>
+                  <a:srgbClr val="D4D4D4"/>
+                </a:solidFill>
+                <a:effectLst/>
+                <a:latin typeface="Consolas" panose="020B0609020204030204" pitchFamily="49" charset="0"/>
+              </a:rPr>
+              <a:t> </a:t>
+            </a:r>
+            <a:r>
+              <a:rPr lang="en-GB" sz="1600" b="0" dirty="0" err="1">
+                <a:solidFill>
+                  <a:srgbClr val="D4D4D4"/>
+                </a:solidFill>
+                <a:effectLst/>
+                <a:latin typeface="Consolas" panose="020B0609020204030204" pitchFamily="49" charset="0"/>
+              </a:rPr>
+              <a:t>i</a:t>
+            </a:r>
+            <a:r>
+              <a:rPr lang="en-GB" sz="1600" b="0" dirty="0">
+                <a:solidFill>
+                  <a:srgbClr val="D4D4D4"/>
+                </a:solidFill>
+                <a:effectLst/>
+                <a:latin typeface="Consolas" panose="020B0609020204030204" pitchFamily="49" charset="0"/>
+              </a:rPr>
+              <a:t> = </a:t>
+            </a:r>
+            <a:r>
+              <a:rPr lang="en-GB" sz="1600" b="0" dirty="0">
+                <a:solidFill>
+                  <a:srgbClr val="B5CEA8"/>
+                </a:solidFill>
+                <a:effectLst/>
+                <a:latin typeface="Consolas" panose="020B0609020204030204" pitchFamily="49" charset="0"/>
+              </a:rPr>
+              <a:t>0</a:t>
+            </a:r>
+            <a:r>
+              <a:rPr lang="en-GB" sz="1600" b="0" dirty="0">
+                <a:solidFill>
+                  <a:srgbClr val="D4D4D4"/>
+                </a:solidFill>
+                <a:effectLst/>
+                <a:latin typeface="Consolas" panose="020B0609020204030204" pitchFamily="49" charset="0"/>
+              </a:rPr>
+              <a:t>; </a:t>
+            </a:r>
+            <a:r>
+              <a:rPr lang="en-GB" sz="1600" b="0" dirty="0" err="1">
+                <a:solidFill>
+                  <a:srgbClr val="D4D4D4"/>
+                </a:solidFill>
+                <a:effectLst/>
+                <a:latin typeface="Consolas" panose="020B0609020204030204" pitchFamily="49" charset="0"/>
+              </a:rPr>
+              <a:t>i</a:t>
+            </a:r>
+            <a:r>
+              <a:rPr lang="en-GB" sz="1600" b="0" dirty="0">
+                <a:solidFill>
+                  <a:srgbClr val="D4D4D4"/>
+                </a:solidFill>
+                <a:effectLst/>
+                <a:latin typeface="Consolas" panose="020B0609020204030204" pitchFamily="49" charset="0"/>
+              </a:rPr>
+              <a:t> &lt; </a:t>
+            </a:r>
+            <a:r>
+              <a:rPr lang="en-GB" sz="1600" b="0" dirty="0" err="1">
+                <a:solidFill>
+                  <a:srgbClr val="D4D4D4"/>
+                </a:solidFill>
+                <a:effectLst/>
+                <a:latin typeface="Consolas" panose="020B0609020204030204" pitchFamily="49" charset="0"/>
+              </a:rPr>
+              <a:t>arrayLen</a:t>
+            </a:r>
+            <a:r>
+              <a:rPr lang="en-GB" sz="1600" b="0" dirty="0">
+                <a:solidFill>
+                  <a:srgbClr val="D4D4D4"/>
+                </a:solidFill>
+                <a:effectLst/>
+                <a:latin typeface="Consolas" panose="020B0609020204030204" pitchFamily="49" charset="0"/>
+              </a:rPr>
+              <a:t> - </a:t>
+            </a:r>
+            <a:r>
+              <a:rPr lang="en-GB" sz="1600" b="0" dirty="0">
+                <a:solidFill>
+                  <a:srgbClr val="B5CEA8"/>
+                </a:solidFill>
+                <a:effectLst/>
+                <a:latin typeface="Consolas" panose="020B0609020204030204" pitchFamily="49" charset="0"/>
+              </a:rPr>
+              <a:t>1</a:t>
+            </a:r>
+            <a:r>
+              <a:rPr lang="en-GB" sz="1600" b="0" dirty="0">
+                <a:solidFill>
+                  <a:srgbClr val="D4D4D4"/>
+                </a:solidFill>
+                <a:effectLst/>
+                <a:latin typeface="Consolas" panose="020B0609020204030204" pitchFamily="49" charset="0"/>
+              </a:rPr>
+              <a:t>; </a:t>
+            </a:r>
+            <a:r>
+              <a:rPr lang="en-GB" sz="1600" b="0" dirty="0" err="1">
+                <a:solidFill>
+                  <a:srgbClr val="D4D4D4"/>
+                </a:solidFill>
+                <a:effectLst/>
+                <a:latin typeface="Consolas" panose="020B0609020204030204" pitchFamily="49" charset="0"/>
+              </a:rPr>
+              <a:t>i</a:t>
+            </a:r>
+            <a:r>
+              <a:rPr lang="en-GB" sz="1600" b="0" dirty="0">
+                <a:solidFill>
+                  <a:srgbClr val="D4D4D4"/>
+                </a:solidFill>
+                <a:effectLst/>
+                <a:latin typeface="Consolas" panose="020B0609020204030204" pitchFamily="49" charset="0"/>
+              </a:rPr>
+              <a:t>++) { </a:t>
+            </a:r>
+          </a:p>
+          <a:p>
+            <a:pPr marL="0" indent="0">
+              <a:spcBef>
+                <a:spcPts val="0"/>
+              </a:spcBef>
+              <a:buNone/>
+            </a:pPr>
+            <a:r>
+              <a:rPr lang="en-GB" sz="1600" b="0" dirty="0">
+                <a:solidFill>
+                  <a:srgbClr val="D4D4D4"/>
+                </a:solidFill>
+                <a:effectLst/>
+                <a:latin typeface="Consolas" panose="020B0609020204030204" pitchFamily="49" charset="0"/>
+              </a:rPr>
+              <a:t>        </a:t>
+            </a:r>
+            <a:r>
+              <a:rPr lang="en-GB" sz="1600" b="0" dirty="0" err="1">
+                <a:solidFill>
+                  <a:srgbClr val="D4D4D4"/>
+                </a:solidFill>
+                <a:effectLst/>
+                <a:latin typeface="Consolas" panose="020B0609020204030204" pitchFamily="49" charset="0"/>
+              </a:rPr>
+              <a:t>minElementIndex</a:t>
+            </a:r>
+            <a:r>
+              <a:rPr lang="en-GB" sz="1600" b="0" dirty="0">
+                <a:solidFill>
+                  <a:srgbClr val="D4D4D4"/>
+                </a:solidFill>
+                <a:effectLst/>
+                <a:latin typeface="Consolas" panose="020B0609020204030204" pitchFamily="49" charset="0"/>
+              </a:rPr>
+              <a:t> = </a:t>
+            </a:r>
+            <a:r>
+              <a:rPr lang="en-GB" sz="1600" b="0" dirty="0" err="1">
+                <a:solidFill>
+                  <a:srgbClr val="D4D4D4"/>
+                </a:solidFill>
+                <a:effectLst/>
+                <a:latin typeface="Consolas" panose="020B0609020204030204" pitchFamily="49" charset="0"/>
+              </a:rPr>
+              <a:t>i</a:t>
+            </a:r>
+            <a:r>
+              <a:rPr lang="en-GB" sz="1600" b="0" dirty="0">
+                <a:solidFill>
+                  <a:srgbClr val="D4D4D4"/>
+                </a:solidFill>
+                <a:effectLst/>
+                <a:latin typeface="Consolas" panose="020B0609020204030204" pitchFamily="49" charset="0"/>
+              </a:rPr>
+              <a:t>; </a:t>
+            </a:r>
+          </a:p>
+          <a:p>
+            <a:pPr marL="0" indent="0">
+              <a:spcBef>
+                <a:spcPts val="0"/>
+              </a:spcBef>
+              <a:buNone/>
+            </a:pPr>
+            <a:r>
+              <a:rPr lang="en-GB" sz="1600" b="0" dirty="0">
+                <a:solidFill>
+                  <a:srgbClr val="D4D4D4"/>
+                </a:solidFill>
+                <a:effectLst/>
+                <a:latin typeface="Consolas" panose="020B0609020204030204" pitchFamily="49" charset="0"/>
+              </a:rPr>
+              <a:t>        </a:t>
+            </a:r>
+            <a:r>
+              <a:rPr lang="en-GB" sz="1600" b="0" dirty="0">
+                <a:solidFill>
+                  <a:srgbClr val="C586C0"/>
+                </a:solidFill>
+                <a:effectLst/>
+                <a:latin typeface="Consolas" panose="020B0609020204030204" pitchFamily="49" charset="0"/>
+              </a:rPr>
+              <a:t>for</a:t>
+            </a:r>
+            <a:r>
+              <a:rPr lang="en-GB" sz="1600" b="0" dirty="0">
+                <a:solidFill>
+                  <a:srgbClr val="D4D4D4"/>
+                </a:solidFill>
+                <a:effectLst/>
+                <a:latin typeface="Consolas" panose="020B0609020204030204" pitchFamily="49" charset="0"/>
+              </a:rPr>
+              <a:t> (</a:t>
+            </a:r>
+            <a:r>
+              <a:rPr lang="en-GB" sz="1600" b="0" dirty="0">
+                <a:solidFill>
+                  <a:srgbClr val="569CD6"/>
+                </a:solidFill>
+                <a:effectLst/>
+                <a:latin typeface="Consolas" panose="020B0609020204030204" pitchFamily="49" charset="0"/>
+              </a:rPr>
+              <a:t>int</a:t>
+            </a:r>
+            <a:r>
+              <a:rPr lang="en-GB" sz="1600" b="0" dirty="0">
+                <a:solidFill>
+                  <a:srgbClr val="D4D4D4"/>
+                </a:solidFill>
+                <a:effectLst/>
+                <a:latin typeface="Consolas" panose="020B0609020204030204" pitchFamily="49" charset="0"/>
+              </a:rPr>
+              <a:t> j = </a:t>
+            </a:r>
+            <a:r>
+              <a:rPr lang="en-GB" sz="1600" b="0" dirty="0" err="1">
+                <a:solidFill>
+                  <a:srgbClr val="D4D4D4"/>
+                </a:solidFill>
+                <a:effectLst/>
+                <a:latin typeface="Consolas" panose="020B0609020204030204" pitchFamily="49" charset="0"/>
+              </a:rPr>
+              <a:t>i</a:t>
+            </a:r>
+            <a:r>
+              <a:rPr lang="en-GB" sz="1600" b="0" dirty="0">
+                <a:solidFill>
+                  <a:srgbClr val="D4D4D4"/>
+                </a:solidFill>
+                <a:effectLst/>
+                <a:latin typeface="Consolas" panose="020B0609020204030204" pitchFamily="49" charset="0"/>
+              </a:rPr>
+              <a:t> + </a:t>
+            </a:r>
+            <a:r>
+              <a:rPr lang="en-GB" sz="1600" b="0" dirty="0">
+                <a:solidFill>
+                  <a:srgbClr val="B5CEA8"/>
+                </a:solidFill>
+                <a:effectLst/>
+                <a:latin typeface="Consolas" panose="020B0609020204030204" pitchFamily="49" charset="0"/>
+              </a:rPr>
+              <a:t>1</a:t>
+            </a:r>
+            <a:r>
+              <a:rPr lang="en-GB" sz="1600" b="0" dirty="0">
+                <a:solidFill>
+                  <a:srgbClr val="D4D4D4"/>
+                </a:solidFill>
+                <a:effectLst/>
+                <a:latin typeface="Consolas" panose="020B0609020204030204" pitchFamily="49" charset="0"/>
+              </a:rPr>
+              <a:t>; j &lt; </a:t>
+            </a:r>
+            <a:r>
+              <a:rPr lang="en-GB" sz="1600" b="0" dirty="0" err="1">
+                <a:solidFill>
+                  <a:srgbClr val="D4D4D4"/>
+                </a:solidFill>
+                <a:effectLst/>
+                <a:latin typeface="Consolas" panose="020B0609020204030204" pitchFamily="49" charset="0"/>
+              </a:rPr>
+              <a:t>arrayLen</a:t>
+            </a:r>
+            <a:r>
+              <a:rPr lang="en-GB" sz="1600" b="0" dirty="0">
+                <a:solidFill>
+                  <a:srgbClr val="D4D4D4"/>
+                </a:solidFill>
+                <a:effectLst/>
+                <a:latin typeface="Consolas" panose="020B0609020204030204" pitchFamily="49" charset="0"/>
+              </a:rPr>
+              <a:t>; </a:t>
+            </a:r>
+            <a:r>
+              <a:rPr lang="en-GB" sz="1600" b="0" dirty="0" err="1">
+                <a:solidFill>
+                  <a:srgbClr val="D4D4D4"/>
+                </a:solidFill>
+                <a:effectLst/>
+                <a:latin typeface="Consolas" panose="020B0609020204030204" pitchFamily="49" charset="0"/>
+              </a:rPr>
+              <a:t>j++</a:t>
+            </a:r>
+            <a:r>
+              <a:rPr lang="en-GB" sz="1600" b="0" dirty="0">
+                <a:solidFill>
+                  <a:srgbClr val="D4D4D4"/>
+                </a:solidFill>
+                <a:effectLst/>
+                <a:latin typeface="Consolas" panose="020B0609020204030204" pitchFamily="49" charset="0"/>
+              </a:rPr>
+              <a:t>) {</a:t>
+            </a:r>
+          </a:p>
+          <a:p>
+            <a:pPr marL="0" indent="0">
+              <a:spcBef>
+                <a:spcPts val="0"/>
+              </a:spcBef>
+              <a:buNone/>
+            </a:pPr>
+            <a:r>
+              <a:rPr lang="en-GB" sz="1600" b="0" dirty="0">
+                <a:solidFill>
+                  <a:srgbClr val="D4D4D4"/>
+                </a:solidFill>
+                <a:effectLst/>
+                <a:latin typeface="Consolas" panose="020B0609020204030204" pitchFamily="49" charset="0"/>
+              </a:rPr>
+              <a:t>            </a:t>
+            </a:r>
+            <a:r>
+              <a:rPr lang="en-GB" sz="1600" b="0" dirty="0">
+                <a:solidFill>
+                  <a:srgbClr val="C586C0"/>
+                </a:solidFill>
+                <a:effectLst/>
+                <a:latin typeface="Consolas" panose="020B0609020204030204" pitchFamily="49" charset="0"/>
+              </a:rPr>
+              <a:t>if</a:t>
+            </a:r>
+            <a:r>
+              <a:rPr lang="en-GB" sz="1600" b="0" dirty="0">
+                <a:solidFill>
+                  <a:srgbClr val="D4D4D4"/>
+                </a:solidFill>
+                <a:effectLst/>
+                <a:latin typeface="Consolas" panose="020B0609020204030204" pitchFamily="49" charset="0"/>
+              </a:rPr>
+              <a:t> (</a:t>
+            </a:r>
+            <a:r>
+              <a:rPr lang="en-GB" sz="1600" b="0" dirty="0">
+                <a:solidFill>
+                  <a:srgbClr val="9CDCFE"/>
+                </a:solidFill>
+                <a:effectLst/>
+                <a:latin typeface="Consolas" panose="020B0609020204030204" pitchFamily="49" charset="0"/>
+              </a:rPr>
+              <a:t>array</a:t>
+            </a:r>
+            <a:r>
+              <a:rPr lang="en-GB" sz="1600" b="0" dirty="0">
+                <a:solidFill>
+                  <a:srgbClr val="D4D4D4"/>
+                </a:solidFill>
+                <a:effectLst/>
+                <a:latin typeface="Consolas" panose="020B0609020204030204" pitchFamily="49" charset="0"/>
+              </a:rPr>
+              <a:t>[j] &lt; </a:t>
+            </a:r>
+            <a:r>
+              <a:rPr lang="ru-RU" sz="1600" b="0" dirty="0">
+                <a:solidFill>
+                  <a:srgbClr val="D4D4D4"/>
+                </a:solidFill>
+                <a:effectLst/>
+                <a:latin typeface="Consolas" panose="020B0609020204030204" pitchFamily="49" charset="0"/>
+              </a:rPr>
+              <a:t>				</a:t>
+            </a:r>
+            <a:r>
+              <a:rPr lang="en-GB" sz="1600" b="0" dirty="0">
+                <a:solidFill>
+                  <a:srgbClr val="9CDCFE"/>
+                </a:solidFill>
+                <a:effectLst/>
+                <a:latin typeface="Consolas" panose="020B0609020204030204" pitchFamily="49" charset="0"/>
+              </a:rPr>
+              <a:t>array</a:t>
+            </a:r>
+            <a:r>
+              <a:rPr lang="en-GB" sz="1600" b="0" dirty="0">
+                <a:solidFill>
+                  <a:srgbClr val="D4D4D4"/>
+                </a:solidFill>
+                <a:effectLst/>
+                <a:latin typeface="Consolas" panose="020B0609020204030204" pitchFamily="49" charset="0"/>
+              </a:rPr>
+              <a:t>[</a:t>
+            </a:r>
+            <a:r>
+              <a:rPr lang="en-GB" sz="1600" b="0" dirty="0" err="1">
+                <a:solidFill>
+                  <a:srgbClr val="D4D4D4"/>
+                </a:solidFill>
+                <a:effectLst/>
+                <a:latin typeface="Consolas" panose="020B0609020204030204" pitchFamily="49" charset="0"/>
+              </a:rPr>
+              <a:t>minElementIndex</a:t>
+            </a:r>
+            <a:r>
+              <a:rPr lang="en-GB" sz="1600" b="0" dirty="0">
+                <a:solidFill>
+                  <a:srgbClr val="D4D4D4"/>
+                </a:solidFill>
+                <a:effectLst/>
+                <a:latin typeface="Consolas" panose="020B0609020204030204" pitchFamily="49" charset="0"/>
+              </a:rPr>
+              <a:t>]) {</a:t>
+            </a:r>
+          </a:p>
+          <a:p>
+            <a:pPr marL="0" indent="0">
+              <a:spcBef>
+                <a:spcPts val="0"/>
+              </a:spcBef>
+              <a:buNone/>
+            </a:pPr>
+            <a:r>
+              <a:rPr lang="en-GB" sz="1600" b="0" dirty="0">
+                <a:solidFill>
+                  <a:srgbClr val="D4D4D4"/>
+                </a:solidFill>
+                <a:effectLst/>
+                <a:latin typeface="Consolas" panose="020B0609020204030204" pitchFamily="49" charset="0"/>
+              </a:rPr>
+              <a:t>            </a:t>
+            </a:r>
+            <a:r>
+              <a:rPr lang="en-GB" sz="1600" b="0" dirty="0" err="1">
+                <a:solidFill>
+                  <a:srgbClr val="D4D4D4"/>
+                </a:solidFill>
+                <a:effectLst/>
+                <a:latin typeface="Consolas" panose="020B0609020204030204" pitchFamily="49" charset="0"/>
+              </a:rPr>
+              <a:t>minElementIndex</a:t>
+            </a:r>
+            <a:r>
+              <a:rPr lang="en-GB" sz="1600" b="0" dirty="0">
+                <a:solidFill>
+                  <a:srgbClr val="D4D4D4"/>
+                </a:solidFill>
+                <a:effectLst/>
+                <a:latin typeface="Consolas" panose="020B0609020204030204" pitchFamily="49" charset="0"/>
+              </a:rPr>
+              <a:t> = j; </a:t>
+            </a:r>
+          </a:p>
+          <a:p>
+            <a:pPr marL="0" indent="0">
+              <a:spcBef>
+                <a:spcPts val="0"/>
+              </a:spcBef>
+              <a:buNone/>
+            </a:pPr>
+            <a:r>
+              <a:rPr lang="en-GB" sz="1600" b="0" dirty="0">
+                <a:solidFill>
+                  <a:srgbClr val="D4D4D4"/>
+                </a:solidFill>
+                <a:effectLst/>
+                <a:latin typeface="Consolas" panose="020B0609020204030204" pitchFamily="49" charset="0"/>
+              </a:rPr>
+              <a:t>            } </a:t>
+            </a:r>
+          </a:p>
+          <a:p>
+            <a:pPr marL="0" indent="0">
+              <a:spcBef>
+                <a:spcPts val="0"/>
+              </a:spcBef>
+              <a:buNone/>
+            </a:pPr>
+            <a:r>
+              <a:rPr lang="en-GB" sz="1600" b="0" dirty="0">
+                <a:solidFill>
+                  <a:srgbClr val="D4D4D4"/>
+                </a:solidFill>
+                <a:effectLst/>
+                <a:latin typeface="Consolas" panose="020B0609020204030204" pitchFamily="49" charset="0"/>
+              </a:rPr>
+              <a:t>        }</a:t>
+            </a:r>
+          </a:p>
+          <a:p>
+            <a:pPr marL="0" indent="0">
+              <a:spcBef>
+                <a:spcPts val="0"/>
+              </a:spcBef>
+              <a:buNone/>
+            </a:pPr>
+            <a:r>
+              <a:rPr lang="en-GB" sz="1600" b="0" dirty="0">
+                <a:solidFill>
+                  <a:srgbClr val="D4D4D4"/>
+                </a:solidFill>
+                <a:effectLst/>
+                <a:latin typeface="Consolas" panose="020B0609020204030204" pitchFamily="49" charset="0"/>
+              </a:rPr>
+              <a:t>        </a:t>
+            </a:r>
+          </a:p>
+          <a:p>
+            <a:pPr marL="0" indent="0">
+              <a:spcBef>
+                <a:spcPts val="0"/>
+              </a:spcBef>
+              <a:buNone/>
+            </a:pPr>
+            <a:r>
+              <a:rPr lang="en-GB" sz="1600" b="0" dirty="0">
+                <a:solidFill>
+                  <a:srgbClr val="D4D4D4"/>
+                </a:solidFill>
+                <a:effectLst/>
+                <a:latin typeface="Consolas" panose="020B0609020204030204" pitchFamily="49" charset="0"/>
+              </a:rPr>
+              <a:t>        </a:t>
+            </a:r>
+            <a:r>
+              <a:rPr lang="en-GB" sz="1600" b="0" dirty="0" err="1">
+                <a:solidFill>
+                  <a:srgbClr val="D4D4D4"/>
+                </a:solidFill>
+                <a:effectLst/>
+                <a:latin typeface="Consolas" panose="020B0609020204030204" pitchFamily="49" charset="0"/>
+              </a:rPr>
+              <a:t>tempBuffer</a:t>
+            </a:r>
+            <a:r>
+              <a:rPr lang="en-GB" sz="1600" b="0" dirty="0">
+                <a:solidFill>
+                  <a:srgbClr val="D4D4D4"/>
+                </a:solidFill>
+                <a:effectLst/>
+                <a:latin typeface="Consolas" panose="020B0609020204030204" pitchFamily="49" charset="0"/>
+              </a:rPr>
+              <a:t> = </a:t>
+            </a:r>
+            <a:r>
+              <a:rPr lang="en-GB" sz="1600" b="0" dirty="0">
+                <a:solidFill>
+                  <a:srgbClr val="9CDCFE"/>
+                </a:solidFill>
+                <a:effectLst/>
+                <a:latin typeface="Consolas" panose="020B0609020204030204" pitchFamily="49" charset="0"/>
+              </a:rPr>
+              <a:t>array</a:t>
+            </a:r>
+            <a:r>
+              <a:rPr lang="en-GB" sz="1600" b="0" dirty="0">
+                <a:solidFill>
+                  <a:srgbClr val="D4D4D4"/>
+                </a:solidFill>
+                <a:effectLst/>
+                <a:latin typeface="Consolas" panose="020B0609020204030204" pitchFamily="49" charset="0"/>
+              </a:rPr>
+              <a:t>[</a:t>
+            </a:r>
+            <a:r>
+              <a:rPr lang="en-GB" sz="1600" b="0" dirty="0" err="1">
+                <a:solidFill>
+                  <a:srgbClr val="D4D4D4"/>
+                </a:solidFill>
+                <a:effectLst/>
+                <a:latin typeface="Consolas" panose="020B0609020204030204" pitchFamily="49" charset="0"/>
+              </a:rPr>
+              <a:t>minElementIndex</a:t>
+            </a:r>
+            <a:r>
+              <a:rPr lang="en-GB" sz="1600" b="0" dirty="0">
+                <a:solidFill>
+                  <a:srgbClr val="D4D4D4"/>
+                </a:solidFill>
+                <a:effectLst/>
+                <a:latin typeface="Consolas" panose="020B0609020204030204" pitchFamily="49" charset="0"/>
+              </a:rPr>
+              <a:t>];</a:t>
+            </a:r>
+          </a:p>
+          <a:p>
+            <a:pPr marL="0" indent="0">
+              <a:spcBef>
+                <a:spcPts val="0"/>
+              </a:spcBef>
+              <a:buNone/>
+            </a:pPr>
+            <a:r>
+              <a:rPr lang="en-GB" sz="1600" b="0" dirty="0">
+                <a:solidFill>
+                  <a:srgbClr val="D4D4D4"/>
+                </a:solidFill>
+                <a:effectLst/>
+                <a:latin typeface="Consolas" panose="020B0609020204030204" pitchFamily="49" charset="0"/>
+              </a:rPr>
+              <a:t>        </a:t>
+            </a:r>
+            <a:r>
+              <a:rPr lang="en-GB" sz="1600" b="0" dirty="0">
+                <a:solidFill>
+                  <a:srgbClr val="9CDCFE"/>
+                </a:solidFill>
+                <a:effectLst/>
+                <a:latin typeface="Consolas" panose="020B0609020204030204" pitchFamily="49" charset="0"/>
+              </a:rPr>
+              <a:t>array</a:t>
+            </a:r>
+            <a:r>
+              <a:rPr lang="en-GB" sz="1600" b="0" dirty="0">
+                <a:solidFill>
+                  <a:srgbClr val="D4D4D4"/>
+                </a:solidFill>
+                <a:effectLst/>
+                <a:latin typeface="Consolas" panose="020B0609020204030204" pitchFamily="49" charset="0"/>
+              </a:rPr>
+              <a:t>[</a:t>
+            </a:r>
+            <a:r>
+              <a:rPr lang="en-GB" sz="1600" b="0" dirty="0" err="1">
+                <a:solidFill>
+                  <a:srgbClr val="D4D4D4"/>
+                </a:solidFill>
+                <a:effectLst/>
+                <a:latin typeface="Consolas" panose="020B0609020204030204" pitchFamily="49" charset="0"/>
+              </a:rPr>
+              <a:t>minElementIndex</a:t>
+            </a:r>
+            <a:r>
+              <a:rPr lang="en-GB" sz="1600" b="0" dirty="0">
+                <a:solidFill>
+                  <a:srgbClr val="D4D4D4"/>
+                </a:solidFill>
+                <a:effectLst/>
+                <a:latin typeface="Consolas" panose="020B0609020204030204" pitchFamily="49" charset="0"/>
+              </a:rPr>
+              <a:t>] = </a:t>
+            </a:r>
+            <a:r>
+              <a:rPr lang="en-GB" sz="1600" b="0" dirty="0">
+                <a:solidFill>
+                  <a:srgbClr val="9CDCFE"/>
+                </a:solidFill>
+                <a:effectLst/>
+                <a:latin typeface="Consolas" panose="020B0609020204030204" pitchFamily="49" charset="0"/>
+              </a:rPr>
+              <a:t>array</a:t>
+            </a:r>
+            <a:r>
+              <a:rPr lang="en-GB" sz="1600" b="0" dirty="0">
+                <a:solidFill>
+                  <a:srgbClr val="D4D4D4"/>
+                </a:solidFill>
+                <a:effectLst/>
+                <a:latin typeface="Consolas" panose="020B0609020204030204" pitchFamily="49" charset="0"/>
+              </a:rPr>
+              <a:t>[</a:t>
+            </a:r>
+            <a:r>
+              <a:rPr lang="en-GB" sz="1600" b="0" dirty="0" err="1">
+                <a:solidFill>
+                  <a:srgbClr val="D4D4D4"/>
+                </a:solidFill>
+                <a:effectLst/>
+                <a:latin typeface="Consolas" panose="020B0609020204030204" pitchFamily="49" charset="0"/>
+              </a:rPr>
+              <a:t>i</a:t>
+            </a:r>
+            <a:r>
+              <a:rPr lang="en-GB" sz="1600" b="0" dirty="0">
+                <a:solidFill>
+                  <a:srgbClr val="D4D4D4"/>
+                </a:solidFill>
+                <a:effectLst/>
+                <a:latin typeface="Consolas" panose="020B0609020204030204" pitchFamily="49" charset="0"/>
+              </a:rPr>
+              <a:t>];</a:t>
+            </a:r>
+          </a:p>
+          <a:p>
+            <a:pPr marL="0" indent="0">
+              <a:spcBef>
+                <a:spcPts val="0"/>
+              </a:spcBef>
+              <a:buNone/>
+            </a:pPr>
+            <a:r>
+              <a:rPr lang="en-GB" sz="1600" b="0" dirty="0">
+                <a:solidFill>
+                  <a:srgbClr val="D4D4D4"/>
+                </a:solidFill>
+                <a:effectLst/>
+                <a:latin typeface="Consolas" panose="020B0609020204030204" pitchFamily="49" charset="0"/>
+              </a:rPr>
+              <a:t>        </a:t>
+            </a:r>
+            <a:r>
+              <a:rPr lang="en-GB" sz="1600" b="0" dirty="0">
+                <a:solidFill>
+                  <a:srgbClr val="9CDCFE"/>
+                </a:solidFill>
+                <a:effectLst/>
+                <a:latin typeface="Consolas" panose="020B0609020204030204" pitchFamily="49" charset="0"/>
+              </a:rPr>
+              <a:t>array</a:t>
+            </a:r>
+            <a:r>
+              <a:rPr lang="en-GB" sz="1600" b="0" dirty="0">
+                <a:solidFill>
+                  <a:srgbClr val="D4D4D4"/>
+                </a:solidFill>
+                <a:effectLst/>
+                <a:latin typeface="Consolas" panose="020B0609020204030204" pitchFamily="49" charset="0"/>
+              </a:rPr>
+              <a:t>[</a:t>
+            </a:r>
+            <a:r>
+              <a:rPr lang="en-GB" sz="1600" b="0" dirty="0" err="1">
+                <a:solidFill>
+                  <a:srgbClr val="D4D4D4"/>
+                </a:solidFill>
+                <a:effectLst/>
+                <a:latin typeface="Consolas" panose="020B0609020204030204" pitchFamily="49" charset="0"/>
+              </a:rPr>
+              <a:t>i</a:t>
+            </a:r>
+            <a:r>
+              <a:rPr lang="en-GB" sz="1600" b="0" dirty="0">
+                <a:solidFill>
+                  <a:srgbClr val="D4D4D4"/>
+                </a:solidFill>
+                <a:effectLst/>
+                <a:latin typeface="Consolas" panose="020B0609020204030204" pitchFamily="49" charset="0"/>
+              </a:rPr>
+              <a:t>] = </a:t>
+            </a:r>
+            <a:r>
+              <a:rPr lang="en-GB" sz="1600" b="0" dirty="0" err="1">
+                <a:solidFill>
+                  <a:srgbClr val="D4D4D4"/>
+                </a:solidFill>
+                <a:effectLst/>
+                <a:latin typeface="Consolas" panose="020B0609020204030204" pitchFamily="49" charset="0"/>
+              </a:rPr>
+              <a:t>tempBuffer</a:t>
+            </a:r>
+            <a:r>
+              <a:rPr lang="en-GB" sz="1600" b="0" dirty="0">
+                <a:solidFill>
+                  <a:srgbClr val="D4D4D4"/>
+                </a:solidFill>
+                <a:effectLst/>
+                <a:latin typeface="Consolas" panose="020B0609020204030204" pitchFamily="49" charset="0"/>
+              </a:rPr>
+              <a:t>;</a:t>
+            </a:r>
+          </a:p>
+          <a:p>
+            <a:pPr marL="0" indent="0">
+              <a:spcBef>
+                <a:spcPts val="0"/>
+              </a:spcBef>
+              <a:buNone/>
+            </a:pPr>
+            <a:r>
+              <a:rPr lang="en-GB" sz="1600" b="0" dirty="0">
+                <a:solidFill>
+                  <a:srgbClr val="D4D4D4"/>
+                </a:solidFill>
+                <a:effectLst/>
+                <a:latin typeface="Consolas" panose="020B0609020204030204" pitchFamily="49" charset="0"/>
+              </a:rPr>
+              <a:t>    } </a:t>
+            </a:r>
+          </a:p>
+          <a:p>
+            <a:pPr marL="0" indent="0">
+              <a:spcBef>
+                <a:spcPts val="0"/>
+              </a:spcBef>
+              <a:buNone/>
+            </a:pPr>
+            <a:r>
+              <a:rPr lang="en-GB" sz="1600" b="0" dirty="0">
+                <a:solidFill>
+                  <a:srgbClr val="D4D4D4"/>
+                </a:solidFill>
+                <a:effectLst/>
+                <a:latin typeface="Consolas" panose="020B0609020204030204" pitchFamily="49" charset="0"/>
+              </a:rPr>
+              <a:t>} </a:t>
+            </a:r>
+          </a:p>
+        </p:txBody>
+      </p:sp>
+      <p:sp>
+        <p:nvSpPr>
+          <p:cNvPr id="6" name="Content Placeholder 2">
+            <a:extLst>
+              <a:ext uri="{FF2B5EF4-FFF2-40B4-BE49-F238E27FC236}">
+                <a16:creationId xmlns:a16="http://schemas.microsoft.com/office/drawing/2014/main" id="{8ACCE29D-E9FE-40B6-B73B-200A616A1980}"/>
+              </a:ext>
+            </a:extLst>
+          </p:cNvPr>
+          <p:cNvSpPr txBox="1">
+            <a:spLocks/>
+          </p:cNvSpPr>
+          <p:nvPr/>
+        </p:nvSpPr>
+        <p:spPr>
+          <a:xfrm>
+            <a:off x="1141414" y="1847274"/>
+            <a:ext cx="5407432" cy="1096223"/>
+          </a:xfrm>
+          <a:prstGeom prst="rect">
+            <a:avLst/>
+          </a:prstGeom>
+        </p:spPr>
+        <p:txBody>
+          <a:bodyPr vert="horz" lIns="91440" tIns="45720" rIns="91440" bIns="45720" rtlCol="0">
+            <a:normAutofit/>
+          </a:bodyPr>
+          <a:lstStyle>
+            <a:lvl1pPr marL="228600" indent="-228600" algn="l" defTabSz="914400" rtl="0" eaLnBrk="1" latinLnBrk="0" hangingPunct="1">
+              <a:lnSpc>
+                <a:spcPct val="120000"/>
+              </a:lnSpc>
+              <a:spcBef>
+                <a:spcPts val="1000"/>
+              </a:spcBef>
+              <a:buSzPct val="125000"/>
+              <a:buFont typeface="Arial" panose="020B0604020202020204" pitchFamily="34" charset="0"/>
+              <a:buChar char="•"/>
+              <a:defRPr sz="2400" kern="1200">
+                <a:solidFill>
+                  <a:schemeClr val="tx1"/>
+                </a:solidFill>
+                <a:latin typeface="+mn-lt"/>
+                <a:ea typeface="+mn-ea"/>
+                <a:cs typeface="+mn-cs"/>
+              </a:defRPr>
+            </a:lvl1pPr>
+            <a:lvl2pPr marL="685800" indent="-228600" algn="l" defTabSz="914400" rtl="0" eaLnBrk="1" latinLnBrk="0" hangingPunct="1">
+              <a:lnSpc>
+                <a:spcPct val="120000"/>
+              </a:lnSpc>
+              <a:spcBef>
+                <a:spcPts val="500"/>
+              </a:spcBef>
+              <a:buSzPct val="125000"/>
+              <a:buFont typeface="Arial" panose="020B0604020202020204" pitchFamily="34" charset="0"/>
+              <a:buChar char="•"/>
+              <a:defRPr sz="2000" kern="1200">
+                <a:solidFill>
+                  <a:schemeClr val="tx1"/>
+                </a:solidFill>
+                <a:latin typeface="+mn-lt"/>
+                <a:ea typeface="+mn-ea"/>
+                <a:cs typeface="+mn-cs"/>
+              </a:defRPr>
+            </a:lvl2pPr>
+            <a:lvl3pPr marL="1143000" indent="-228600" algn="l" defTabSz="914400" rtl="0" eaLnBrk="1" latinLnBrk="0" hangingPunct="1">
+              <a:lnSpc>
+                <a:spcPct val="120000"/>
+              </a:lnSpc>
+              <a:spcBef>
+                <a:spcPts val="500"/>
+              </a:spcBef>
+              <a:buSzPct val="125000"/>
+              <a:buFont typeface="Arial" panose="020B0604020202020204" pitchFamily="34" charset="0"/>
+              <a:buChar char="•"/>
+              <a:defRPr sz="1800" kern="1200">
+                <a:solidFill>
+                  <a:schemeClr val="tx1"/>
+                </a:solidFill>
+                <a:latin typeface="+mn-lt"/>
+                <a:ea typeface="+mn-ea"/>
+                <a:cs typeface="+mn-cs"/>
+              </a:defRPr>
+            </a:lvl3pPr>
+            <a:lvl4pPr marL="1600200" indent="-228600" algn="l" defTabSz="914400" rtl="0" eaLnBrk="1" latinLnBrk="0" hangingPunct="1">
+              <a:lnSpc>
+                <a:spcPct val="120000"/>
+              </a:lnSpc>
+              <a:spcBef>
+                <a:spcPts val="500"/>
+              </a:spcBef>
+              <a:buSzPct val="125000"/>
+              <a:buFont typeface="Arial" panose="020B0604020202020204" pitchFamily="34" charset="0"/>
+              <a:buChar char="•"/>
+              <a:defRPr sz="1600" kern="1200">
+                <a:solidFill>
+                  <a:schemeClr val="tx1"/>
+                </a:solidFill>
+                <a:latin typeface="+mn-lt"/>
+                <a:ea typeface="+mn-ea"/>
+                <a:cs typeface="+mn-cs"/>
+              </a:defRPr>
+            </a:lvl4pPr>
+            <a:lvl5pPr marL="2057400" indent="-228600" algn="l" defTabSz="914400" rtl="0" eaLnBrk="1" latinLnBrk="0" hangingPunct="1">
+              <a:lnSpc>
+                <a:spcPct val="120000"/>
+              </a:lnSpc>
+              <a:spcBef>
+                <a:spcPts val="500"/>
+              </a:spcBef>
+              <a:buSzPct val="125000"/>
+              <a:buFont typeface="Arial" panose="020B0604020202020204" pitchFamily="34" charset="0"/>
+              <a:buChar char="•"/>
+              <a:defRPr sz="1600" kern="1200">
+                <a:solidFill>
+                  <a:schemeClr val="tx1"/>
+                </a:solidFill>
+                <a:latin typeface="+mn-lt"/>
+                <a:ea typeface="+mn-ea"/>
+                <a:cs typeface="+mn-cs"/>
+              </a:defRPr>
+            </a:lvl5pPr>
+            <a:lvl6pPr marL="2514600" indent="-228600" algn="l" defTabSz="914400" rtl="0" eaLnBrk="1" latinLnBrk="0" hangingPunct="1">
+              <a:lnSpc>
+                <a:spcPct val="120000"/>
+              </a:lnSpc>
+              <a:spcBef>
+                <a:spcPts val="500"/>
+              </a:spcBef>
+              <a:buSzPct val="125000"/>
+              <a:buFont typeface="Arial" panose="020B0604020202020204" pitchFamily="34" charset="0"/>
+              <a:buChar char="•"/>
+              <a:defRPr sz="1400" kern="1200">
+                <a:solidFill>
+                  <a:schemeClr val="tx1"/>
+                </a:solidFill>
+                <a:latin typeface="+mn-lt"/>
+                <a:ea typeface="+mn-ea"/>
+                <a:cs typeface="+mn-cs"/>
+              </a:defRPr>
+            </a:lvl6pPr>
+            <a:lvl7pPr marL="2971800" indent="-228600" algn="l" defTabSz="914400" rtl="0" eaLnBrk="1" latinLnBrk="0" hangingPunct="1">
+              <a:lnSpc>
+                <a:spcPct val="120000"/>
+              </a:lnSpc>
+              <a:spcBef>
+                <a:spcPts val="500"/>
+              </a:spcBef>
+              <a:buSzPct val="125000"/>
+              <a:buFont typeface="Arial" panose="020B0604020202020204" pitchFamily="34" charset="0"/>
+              <a:buChar char="•"/>
+              <a:defRPr sz="1400" kern="1200">
+                <a:solidFill>
+                  <a:schemeClr val="tx1"/>
+                </a:solidFill>
+                <a:latin typeface="+mn-lt"/>
+                <a:ea typeface="+mn-ea"/>
+                <a:cs typeface="+mn-cs"/>
+              </a:defRPr>
+            </a:lvl7pPr>
+            <a:lvl8pPr marL="3429000" indent="-228600" algn="l" defTabSz="914400" rtl="0" eaLnBrk="1" latinLnBrk="0" hangingPunct="1">
+              <a:lnSpc>
+                <a:spcPct val="120000"/>
+              </a:lnSpc>
+              <a:spcBef>
+                <a:spcPts val="500"/>
+              </a:spcBef>
+              <a:buSzPct val="125000"/>
+              <a:buFont typeface="Arial" panose="020B0604020202020204" pitchFamily="34" charset="0"/>
+              <a:buChar char="•"/>
+              <a:defRPr sz="1400" kern="1200">
+                <a:solidFill>
+                  <a:schemeClr val="tx1"/>
+                </a:solidFill>
+                <a:latin typeface="+mn-lt"/>
+                <a:ea typeface="+mn-ea"/>
+                <a:cs typeface="+mn-cs"/>
+              </a:defRPr>
+            </a:lvl8pPr>
+            <a:lvl9pPr marL="3886200" indent="-228600" algn="l" defTabSz="914400" rtl="0" eaLnBrk="1" latinLnBrk="0" hangingPunct="1">
+              <a:lnSpc>
+                <a:spcPct val="120000"/>
+              </a:lnSpc>
+              <a:spcBef>
+                <a:spcPts val="500"/>
+              </a:spcBef>
+              <a:buSzPct val="125000"/>
+              <a:buFont typeface="Arial" panose="020B0604020202020204" pitchFamily="34" charset="0"/>
+              <a:buChar char="•"/>
+              <a:defRPr sz="1400" kern="1200">
+                <a:solidFill>
+                  <a:schemeClr val="tx1"/>
+                </a:solidFill>
+                <a:latin typeface="+mn-lt"/>
+                <a:ea typeface="+mn-ea"/>
+                <a:cs typeface="+mn-cs"/>
+              </a:defRPr>
+            </a:lvl9pPr>
+          </a:lstStyle>
+          <a:p>
+            <a:pPr marL="0" indent="0" algn="just">
+              <a:buFont typeface="Arial" panose="020B0604020202020204" pitchFamily="34" charset="0"/>
+              <a:buNone/>
+            </a:pPr>
+            <a:r>
+              <a:rPr lang="ru-RU" sz="2300" dirty="0"/>
+              <a:t>Находим </a:t>
+            </a:r>
+            <a:r>
+              <a:rPr lang="ru-RU" sz="2300" dirty="0">
+                <a:solidFill>
+                  <a:schemeClr val="accent1"/>
+                </a:solidFill>
+              </a:rPr>
+              <a:t>наименьший элемент</a:t>
+            </a:r>
+            <a:r>
+              <a:rPr lang="ru-RU" sz="2300" dirty="0"/>
+              <a:t>, меняем его местами </a:t>
+            </a:r>
+            <a:r>
+              <a:rPr lang="ru-RU" sz="2300" dirty="0">
+                <a:solidFill>
+                  <a:schemeClr val="accent1"/>
+                </a:solidFill>
+              </a:rPr>
+              <a:t>с первым элементом</a:t>
+            </a:r>
+            <a:r>
+              <a:rPr lang="ru-RU" sz="2300" dirty="0"/>
+              <a:t>.</a:t>
+            </a:r>
+            <a:endParaRPr lang="en-US" sz="2300" dirty="0"/>
+          </a:p>
+        </p:txBody>
+      </p:sp>
+      <p:sp>
+        <p:nvSpPr>
+          <p:cNvPr id="8" name="Content Placeholder 2">
+            <a:extLst>
+              <a:ext uri="{FF2B5EF4-FFF2-40B4-BE49-F238E27FC236}">
+                <a16:creationId xmlns:a16="http://schemas.microsoft.com/office/drawing/2014/main" id="{CF0301EC-F249-4199-94BC-F2C07E921FFF}"/>
+              </a:ext>
+            </a:extLst>
+          </p:cNvPr>
+          <p:cNvSpPr txBox="1">
+            <a:spLocks/>
+          </p:cNvSpPr>
+          <p:nvPr/>
+        </p:nvSpPr>
+        <p:spPr>
+          <a:xfrm>
+            <a:off x="1141414" y="5020282"/>
+            <a:ext cx="5407432" cy="1096223"/>
+          </a:xfrm>
+          <a:prstGeom prst="rect">
+            <a:avLst/>
+          </a:prstGeom>
+        </p:spPr>
+        <p:txBody>
+          <a:bodyPr vert="horz" lIns="91440" tIns="45720" rIns="91440" bIns="45720" rtlCol="0">
+            <a:normAutofit fontScale="92500" lnSpcReduction="20000"/>
+          </a:bodyPr>
+          <a:lstStyle>
+            <a:lvl1pPr marL="228600" indent="-228600" algn="l" defTabSz="914400" rtl="0" eaLnBrk="1" latinLnBrk="0" hangingPunct="1">
+              <a:lnSpc>
+                <a:spcPct val="120000"/>
+              </a:lnSpc>
+              <a:spcBef>
+                <a:spcPts val="1000"/>
+              </a:spcBef>
+              <a:buSzPct val="125000"/>
+              <a:buFont typeface="Arial" panose="020B0604020202020204" pitchFamily="34" charset="0"/>
+              <a:buChar char="•"/>
+              <a:defRPr sz="2400" kern="1200">
+                <a:solidFill>
+                  <a:schemeClr val="tx1"/>
+                </a:solidFill>
+                <a:latin typeface="+mn-lt"/>
+                <a:ea typeface="+mn-ea"/>
+                <a:cs typeface="+mn-cs"/>
+              </a:defRPr>
+            </a:lvl1pPr>
+            <a:lvl2pPr marL="685800" indent="-228600" algn="l" defTabSz="914400" rtl="0" eaLnBrk="1" latinLnBrk="0" hangingPunct="1">
+              <a:lnSpc>
+                <a:spcPct val="120000"/>
+              </a:lnSpc>
+              <a:spcBef>
+                <a:spcPts val="500"/>
+              </a:spcBef>
+              <a:buSzPct val="125000"/>
+              <a:buFont typeface="Arial" panose="020B0604020202020204" pitchFamily="34" charset="0"/>
+              <a:buChar char="•"/>
+              <a:defRPr sz="2000" kern="1200">
+                <a:solidFill>
+                  <a:schemeClr val="tx1"/>
+                </a:solidFill>
+                <a:latin typeface="+mn-lt"/>
+                <a:ea typeface="+mn-ea"/>
+                <a:cs typeface="+mn-cs"/>
+              </a:defRPr>
+            </a:lvl2pPr>
+            <a:lvl3pPr marL="1143000" indent="-228600" algn="l" defTabSz="914400" rtl="0" eaLnBrk="1" latinLnBrk="0" hangingPunct="1">
+              <a:lnSpc>
+                <a:spcPct val="120000"/>
+              </a:lnSpc>
+              <a:spcBef>
+                <a:spcPts val="500"/>
+              </a:spcBef>
+              <a:buSzPct val="125000"/>
+              <a:buFont typeface="Arial" panose="020B0604020202020204" pitchFamily="34" charset="0"/>
+              <a:buChar char="•"/>
+              <a:defRPr sz="1800" kern="1200">
+                <a:solidFill>
+                  <a:schemeClr val="tx1"/>
+                </a:solidFill>
+                <a:latin typeface="+mn-lt"/>
+                <a:ea typeface="+mn-ea"/>
+                <a:cs typeface="+mn-cs"/>
+              </a:defRPr>
+            </a:lvl3pPr>
+            <a:lvl4pPr marL="1600200" indent="-228600" algn="l" defTabSz="914400" rtl="0" eaLnBrk="1" latinLnBrk="0" hangingPunct="1">
+              <a:lnSpc>
+                <a:spcPct val="120000"/>
+              </a:lnSpc>
+              <a:spcBef>
+                <a:spcPts val="500"/>
+              </a:spcBef>
+              <a:buSzPct val="125000"/>
+              <a:buFont typeface="Arial" panose="020B0604020202020204" pitchFamily="34" charset="0"/>
+              <a:buChar char="•"/>
+              <a:defRPr sz="1600" kern="1200">
+                <a:solidFill>
+                  <a:schemeClr val="tx1"/>
+                </a:solidFill>
+                <a:latin typeface="+mn-lt"/>
+                <a:ea typeface="+mn-ea"/>
+                <a:cs typeface="+mn-cs"/>
+              </a:defRPr>
+            </a:lvl4pPr>
+            <a:lvl5pPr marL="2057400" indent="-228600" algn="l" defTabSz="914400" rtl="0" eaLnBrk="1" latinLnBrk="0" hangingPunct="1">
+              <a:lnSpc>
+                <a:spcPct val="120000"/>
+              </a:lnSpc>
+              <a:spcBef>
+                <a:spcPts val="500"/>
+              </a:spcBef>
+              <a:buSzPct val="125000"/>
+              <a:buFont typeface="Arial" panose="020B0604020202020204" pitchFamily="34" charset="0"/>
+              <a:buChar char="•"/>
+              <a:defRPr sz="1600" kern="1200">
+                <a:solidFill>
+                  <a:schemeClr val="tx1"/>
+                </a:solidFill>
+                <a:latin typeface="+mn-lt"/>
+                <a:ea typeface="+mn-ea"/>
+                <a:cs typeface="+mn-cs"/>
+              </a:defRPr>
+            </a:lvl5pPr>
+            <a:lvl6pPr marL="2514600" indent="-228600" algn="l" defTabSz="914400" rtl="0" eaLnBrk="1" latinLnBrk="0" hangingPunct="1">
+              <a:lnSpc>
+                <a:spcPct val="120000"/>
+              </a:lnSpc>
+              <a:spcBef>
+                <a:spcPts val="500"/>
+              </a:spcBef>
+              <a:buSzPct val="125000"/>
+              <a:buFont typeface="Arial" panose="020B0604020202020204" pitchFamily="34" charset="0"/>
+              <a:buChar char="•"/>
+              <a:defRPr sz="1400" kern="1200">
+                <a:solidFill>
+                  <a:schemeClr val="tx1"/>
+                </a:solidFill>
+                <a:latin typeface="+mn-lt"/>
+                <a:ea typeface="+mn-ea"/>
+                <a:cs typeface="+mn-cs"/>
+              </a:defRPr>
+            </a:lvl6pPr>
+            <a:lvl7pPr marL="2971800" indent="-228600" algn="l" defTabSz="914400" rtl="0" eaLnBrk="1" latinLnBrk="0" hangingPunct="1">
+              <a:lnSpc>
+                <a:spcPct val="120000"/>
+              </a:lnSpc>
+              <a:spcBef>
+                <a:spcPts val="500"/>
+              </a:spcBef>
+              <a:buSzPct val="125000"/>
+              <a:buFont typeface="Arial" panose="020B0604020202020204" pitchFamily="34" charset="0"/>
+              <a:buChar char="•"/>
+              <a:defRPr sz="1400" kern="1200">
+                <a:solidFill>
+                  <a:schemeClr val="tx1"/>
+                </a:solidFill>
+                <a:latin typeface="+mn-lt"/>
+                <a:ea typeface="+mn-ea"/>
+                <a:cs typeface="+mn-cs"/>
+              </a:defRPr>
+            </a:lvl7pPr>
+            <a:lvl8pPr marL="3429000" indent="-228600" algn="l" defTabSz="914400" rtl="0" eaLnBrk="1" latinLnBrk="0" hangingPunct="1">
+              <a:lnSpc>
+                <a:spcPct val="120000"/>
+              </a:lnSpc>
+              <a:spcBef>
+                <a:spcPts val="500"/>
+              </a:spcBef>
+              <a:buSzPct val="125000"/>
+              <a:buFont typeface="Arial" panose="020B0604020202020204" pitchFamily="34" charset="0"/>
+              <a:buChar char="•"/>
+              <a:defRPr sz="1400" kern="1200">
+                <a:solidFill>
+                  <a:schemeClr val="tx1"/>
+                </a:solidFill>
+                <a:latin typeface="+mn-lt"/>
+                <a:ea typeface="+mn-ea"/>
+                <a:cs typeface="+mn-cs"/>
+              </a:defRPr>
+            </a:lvl8pPr>
+            <a:lvl9pPr marL="3886200" indent="-228600" algn="l" defTabSz="914400" rtl="0" eaLnBrk="1" latinLnBrk="0" hangingPunct="1">
+              <a:lnSpc>
+                <a:spcPct val="120000"/>
+              </a:lnSpc>
+              <a:spcBef>
+                <a:spcPts val="500"/>
+              </a:spcBef>
+              <a:buSzPct val="125000"/>
+              <a:buFont typeface="Arial" panose="020B0604020202020204" pitchFamily="34" charset="0"/>
+              <a:buChar char="•"/>
+              <a:defRPr sz="1400" kern="1200">
+                <a:solidFill>
+                  <a:schemeClr val="tx1"/>
+                </a:solidFill>
+                <a:latin typeface="+mn-lt"/>
+                <a:ea typeface="+mn-ea"/>
+                <a:cs typeface="+mn-cs"/>
+              </a:defRPr>
+            </a:lvl9pPr>
+          </a:lstStyle>
+          <a:p>
+            <a:pPr marL="0" indent="0" algn="just">
+              <a:buFont typeface="Arial" panose="020B0604020202020204" pitchFamily="34" charset="0"/>
+              <a:buNone/>
+            </a:pPr>
+            <a:r>
+              <a:rPr lang="ru-RU" sz="2300" dirty="0"/>
+              <a:t>Таким образом для </a:t>
+            </a:r>
+            <a:r>
+              <a:rPr lang="ru-RU" sz="2300" dirty="0">
+                <a:solidFill>
+                  <a:schemeClr val="accent2"/>
+                </a:solidFill>
+              </a:rPr>
+              <a:t>сортировки</a:t>
+            </a:r>
+            <a:r>
+              <a:rPr lang="ru-RU" sz="2300" dirty="0"/>
+              <a:t> массива нам необходимо </a:t>
+            </a:r>
+            <a:r>
+              <a:rPr lang="ru-RU" sz="2300" dirty="0">
+                <a:solidFill>
+                  <a:schemeClr val="accent1"/>
+                </a:solidFill>
+              </a:rPr>
+              <a:t>обойти его 8 раз</a:t>
+            </a:r>
+            <a:r>
+              <a:rPr lang="ru-RU" sz="2300" dirty="0"/>
+              <a:t>, при этом придется </a:t>
+            </a:r>
+            <a:r>
+              <a:rPr lang="ru-RU" sz="2300" dirty="0">
+                <a:solidFill>
+                  <a:schemeClr val="accent1"/>
+                </a:solidFill>
+              </a:rPr>
+              <a:t>перебрать</a:t>
+            </a:r>
+            <a:r>
+              <a:rPr lang="ru-RU" sz="2300" dirty="0"/>
+              <a:t> </a:t>
+            </a:r>
+            <a:r>
+              <a:rPr lang="ru-RU" sz="2300" dirty="0">
+                <a:solidFill>
+                  <a:schemeClr val="accent1"/>
+                </a:solidFill>
+              </a:rPr>
+              <a:t>все элементы массива</a:t>
+            </a:r>
+            <a:r>
+              <a:rPr lang="ru-RU" sz="2300" dirty="0"/>
+              <a:t>.</a:t>
+            </a:r>
+          </a:p>
+        </p:txBody>
+      </p:sp>
+    </p:spTree>
+    <p:extLst>
+      <p:ext uri="{BB962C8B-B14F-4D97-AF65-F5344CB8AC3E}">
+        <p14:creationId xmlns:p14="http://schemas.microsoft.com/office/powerpoint/2010/main" val="1969772508"/>
       </p:ext>
     </p:extLst>
   </p:cSld>
